--- a/Alejandro-cv.pptx
+++ b/Alejandro-cv.pptx
@@ -262,7 +262,7 @@
           <a:p>
             <a:fld id="{1D8BD707-D9CF-40AE-B4C6-C98DA3205C09}" type="datetimeFigureOut">
               <a:rPr lang="en-US"/>
-              <a:t>7/15/22</a:t>
+              <a:t>7/18/22</a:t>
             </a:fld>
             <a:endParaRPr lang="en-US"/>
           </a:p>
@@ -433,7 +433,7 @@
           <a:p>
             <a:fld id="{1D8BD707-D9CF-40AE-B4C6-C98DA3205C09}" type="datetimeFigureOut">
               <a:rPr lang="en-US"/>
-              <a:t>7/15/22</a:t>
+              <a:t>7/18/22</a:t>
             </a:fld>
             <a:endParaRPr lang="en-US"/>
           </a:p>
@@ -647,7 +647,7 @@
           <a:p>
             <a:fld id="{1D8BD707-D9CF-40AE-B4C6-C98DA3205C09}" type="datetimeFigureOut">
               <a:rPr lang="en-US"/>
-              <a:t>7/15/22</a:t>
+              <a:t>7/18/22</a:t>
             </a:fld>
             <a:endParaRPr lang="en-US"/>
           </a:p>
@@ -795,7 +795,7 @@
           <a:p>
             <a:fld id="{1D8BD707-D9CF-40AE-B4C6-C98DA3205C09}" type="datetimeFigureOut">
               <a:rPr lang="en-US"/>
-              <a:t>7/15/22</a:t>
+              <a:t>7/18/22</a:t>
             </a:fld>
             <a:endParaRPr lang="en-US"/>
           </a:p>
@@ -914,7 +914,7 @@
           <a:p>
             <a:fld id="{1D8BD707-D9CF-40AE-B4C6-C98DA3205C09}" type="datetimeFigureOut">
               <a:rPr lang="en-US"/>
-              <a:t>7/15/22</a:t>
+              <a:t>7/18/22</a:t>
             </a:fld>
             <a:endParaRPr lang="en-US"/>
           </a:p>
@@ -1257,7 +1257,7 @@
           <a:p>
             <a:fld id="{1D8BD707-D9CF-40AE-B4C6-C98DA3205C09}" type="datetimeFigureOut">
               <a:rPr lang="en-US"/>
-              <a:t>7/15/22</a:t>
+              <a:t>7/18/22</a:t>
             </a:fld>
             <a:endParaRPr lang="en-US"/>
           </a:p>
@@ -10494,7 +10494,7 @@
               </a:spcBef>
             </a:pPr>
             <a:r>
-              <a:rPr sz="1050" b="1" spc="-5">
+              <a:rPr sz="1050" b="1" spc="-5" dirty="0">
                 <a:solidFill>
                   <a:srgbClr val="1F3863"/>
                 </a:solidFill>
@@ -10504,17 +10504,17 @@
               <a:t>Founde</a:t>
             </a:r>
             <a:r>
-              <a:rPr lang="en-US" sz="1050" b="1" spc="-5">
-                <a:solidFill>
-                  <a:srgbClr val="1F3863"/>
-                </a:solidFill>
-                <a:latin typeface="Calibri"/>
-                <a:cs typeface="Calibri"/>
-              </a:rPr>
-              <a:t>d</a:t>
-            </a:r>
-            <a:r>
-              <a:rPr sz="1050" b="1" spc="-15">
+              <a:rPr lang="en-US" sz="1050" b="1" spc="-5" dirty="0">
+                <a:solidFill>
+                  <a:srgbClr val="1F3863"/>
+                </a:solidFill>
+                <a:latin typeface="Calibri"/>
+                <a:cs typeface="Calibri"/>
+              </a:rPr>
+              <a:t>r</a:t>
+            </a:r>
+            <a:r>
+              <a:rPr sz="1050" b="1" spc="-15" dirty="0">
                 <a:solidFill>
                   <a:srgbClr val="1F3863"/>
                 </a:solidFill>
@@ -10642,7 +10642,7 @@
               </a:tabLst>
             </a:pPr>
             <a:r>
-              <a:rPr sz="900" spc="-5" dirty="0">
+              <a:rPr sz="900" spc="-5">
                 <a:solidFill>
                   <a:srgbClr val="767070"/>
                 </a:solidFill>
@@ -10652,7 +10652,17 @@
               <a:t>Found</a:t>
             </a:r>
             <a:r>
-              <a:rPr sz="900" spc="-10" dirty="0">
+              <a:rPr lang="en-US" sz="900" spc="-5">
+                <a:solidFill>
+                  <a:srgbClr val="767070"/>
+                </a:solidFill>
+                <a:latin typeface="Calibri"/>
+                <a:cs typeface="Calibri"/>
+              </a:rPr>
+              <a:t>er</a:t>
+            </a:r>
+            <a:r>
+              <a:rPr sz="900" spc="-10">
                 <a:solidFill>
                   <a:srgbClr val="767070"/>
                 </a:solidFill>

--- a/Alejandro-cv.pptx
+++ b/Alejandro-cv.pptx
@@ -262,7 +262,7 @@
           <a:p>
             <a:fld id="{1D8BD707-D9CF-40AE-B4C6-C98DA3205C09}" type="datetimeFigureOut">
               <a:rPr lang="en-US"/>
-              <a:t>7/18/22</a:t>
+              <a:t>7/24/22</a:t>
             </a:fld>
             <a:endParaRPr lang="en-US"/>
           </a:p>
@@ -433,7 +433,7 @@
           <a:p>
             <a:fld id="{1D8BD707-D9CF-40AE-B4C6-C98DA3205C09}" type="datetimeFigureOut">
               <a:rPr lang="en-US"/>
-              <a:t>7/18/22</a:t>
+              <a:t>7/24/22</a:t>
             </a:fld>
             <a:endParaRPr lang="en-US"/>
           </a:p>
@@ -647,7 +647,7 @@
           <a:p>
             <a:fld id="{1D8BD707-D9CF-40AE-B4C6-C98DA3205C09}" type="datetimeFigureOut">
               <a:rPr lang="en-US"/>
-              <a:t>7/18/22</a:t>
+              <a:t>7/24/22</a:t>
             </a:fld>
             <a:endParaRPr lang="en-US"/>
           </a:p>
@@ -795,7 +795,7 @@
           <a:p>
             <a:fld id="{1D8BD707-D9CF-40AE-B4C6-C98DA3205C09}" type="datetimeFigureOut">
               <a:rPr lang="en-US"/>
-              <a:t>7/18/22</a:t>
+              <a:t>7/24/22</a:t>
             </a:fld>
             <a:endParaRPr lang="en-US"/>
           </a:p>
@@ -914,7 +914,7 @@
           <a:p>
             <a:fld id="{1D8BD707-D9CF-40AE-B4C6-C98DA3205C09}" type="datetimeFigureOut">
               <a:rPr lang="en-US"/>
-              <a:t>7/18/22</a:t>
+              <a:t>7/24/22</a:t>
             </a:fld>
             <a:endParaRPr lang="en-US"/>
           </a:p>
@@ -1257,7 +1257,7 @@
           <a:p>
             <a:fld id="{1D8BD707-D9CF-40AE-B4C6-C98DA3205C09}" type="datetimeFigureOut">
               <a:rPr lang="en-US"/>
-              <a:t>7/18/22</a:t>
+              <a:t>7/24/22</a:t>
             </a:fld>
             <a:endParaRPr lang="en-US"/>
           </a:p>
@@ -1785,7 +1785,7 @@
         </p:nvGrpSpPr>
         <p:grpSpPr>
           <a:xfrm>
-            <a:off x="-13334" y="-7033"/>
+            <a:off x="-19412" y="0"/>
             <a:ext cx="6857999" cy="8336280"/>
             <a:chOff x="0" y="106679"/>
             <a:chExt cx="6857999" cy="8336280"/>
@@ -2697,8 +2697,8 @@
         </p:nvSpPr>
         <p:spPr>
           <a:xfrm>
-            <a:off x="78739" y="8805164"/>
-            <a:ext cx="1983739" cy="723265"/>
+            <a:off x="45908" y="8329247"/>
+            <a:ext cx="2005964" cy="714939"/>
           </a:xfrm>
           <a:prstGeom prst="rect">
             <a:avLst/>
@@ -3028,11 +3028,18 @@
               </a:lnSpc>
             </a:pPr>
             <a:r>
+              <a:rPr lang="en-US" sz="1000" spc="-5" dirty="0">
+                <a:latin typeface="Calibri"/>
+                <a:cs typeface="Calibri"/>
+              </a:rPr>
+              <a:t>7</a:t>
+            </a:r>
+            <a:r>
               <a:rPr sz="1000" spc="-5" dirty="0">
                 <a:latin typeface="Calibri"/>
                 <a:cs typeface="Calibri"/>
               </a:rPr>
-              <a:t>6°</a:t>
+              <a:t>°</a:t>
             </a:r>
             <a:r>
               <a:rPr sz="1000" spc="-10" dirty="0">
@@ -3070,7 +3077,7 @@
         </p:nvSpPr>
         <p:spPr>
           <a:xfrm>
-            <a:off x="78739" y="9661652"/>
+            <a:off x="43274" y="9761347"/>
             <a:ext cx="2005964" cy="796290"/>
           </a:xfrm>
           <a:prstGeom prst="rect">
@@ -3191,7 +3198,7 @@
               </a:rPr>
               <a:t>devops</a:t>
             </a:r>
-            <a:endParaRPr sz="1050">
+            <a:endParaRPr sz="1050" dirty="0">
               <a:latin typeface="Calibri"/>
               <a:cs typeface="Calibri"/>
             </a:endParaRPr>
@@ -3206,6 +3213,26 @@
               </a:spcBef>
             </a:pPr>
             <a:r>
+              <a:rPr sz="900" spc="-5" dirty="0" err="1">
+                <a:solidFill>
+                  <a:srgbClr val="404040"/>
+                </a:solidFill>
+                <a:latin typeface="Calibri"/>
+                <a:cs typeface="Calibri"/>
+              </a:rPr>
+              <a:t>UdeA</a:t>
+            </a:r>
+            <a:r>
+              <a:rPr sz="900" spc="-10" dirty="0">
+                <a:solidFill>
+                  <a:srgbClr val="404040"/>
+                </a:solidFill>
+                <a:latin typeface="Calibri"/>
+                <a:cs typeface="Calibri"/>
+              </a:rPr>
+              <a:t> </a:t>
+            </a:r>
+            <a:r>
               <a:rPr sz="900" spc="-5" dirty="0">
                 <a:solidFill>
                   <a:srgbClr val="404040"/>
@@ -3213,10 +3240,10 @@
                 <a:latin typeface="Calibri"/>
                 <a:cs typeface="Calibri"/>
               </a:rPr>
-              <a:t>UdeA</a:t>
-            </a:r>
-            <a:r>
-              <a:rPr sz="900" spc="-10" dirty="0">
+              <a:t>(Universidad</a:t>
+            </a:r>
+            <a:r>
+              <a:rPr sz="900" spc="30" dirty="0">
                 <a:solidFill>
                   <a:srgbClr val="404040"/>
                 </a:solidFill>
@@ -3233,10 +3260,10 @@
                 <a:latin typeface="Calibri"/>
                 <a:cs typeface="Calibri"/>
               </a:rPr>
-              <a:t>(Universidad</a:t>
-            </a:r>
-            <a:r>
-              <a:rPr sz="900" spc="30" dirty="0">
+              <a:t>de</a:t>
+            </a:r>
+            <a:r>
+              <a:rPr sz="900" spc="-15" dirty="0">
                 <a:solidFill>
                   <a:srgbClr val="404040"/>
                 </a:solidFill>
@@ -3253,29 +3280,9 @@
                 <a:latin typeface="Calibri"/>
                 <a:cs typeface="Calibri"/>
               </a:rPr>
-              <a:t>de</a:t>
-            </a:r>
-            <a:r>
-              <a:rPr sz="900" spc="-15" dirty="0">
-                <a:solidFill>
-                  <a:srgbClr val="404040"/>
-                </a:solidFill>
-                <a:latin typeface="Calibri"/>
-                <a:cs typeface="Calibri"/>
-              </a:rPr>
-              <a:t> </a:t>
-            </a:r>
-            <a:r>
-              <a:rPr sz="900" spc="-5" dirty="0">
-                <a:solidFill>
-                  <a:srgbClr val="404040"/>
-                </a:solidFill>
-                <a:latin typeface="Calibri"/>
-                <a:cs typeface="Calibri"/>
-              </a:rPr>
               <a:t>Antioquia)</a:t>
             </a:r>
-            <a:endParaRPr sz="900">
+            <a:endParaRPr sz="900" dirty="0">
               <a:latin typeface="Calibri"/>
               <a:cs typeface="Calibri"/>
             </a:endParaRPr>
@@ -3293,7 +3300,7 @@
               </a:rPr>
               <a:t>2018</a:t>
             </a:r>
-            <a:endParaRPr sz="1000">
+            <a:endParaRPr sz="1000" dirty="0">
               <a:latin typeface="Calibri"/>
               <a:cs typeface="Calibri"/>
             </a:endParaRPr>
@@ -3308,7 +3315,7 @@
         </p:nvSpPr>
         <p:spPr>
           <a:xfrm>
-            <a:off x="78739" y="10591545"/>
+            <a:off x="45908" y="10629273"/>
             <a:ext cx="1550670" cy="476250"/>
           </a:xfrm>
           <a:prstGeom prst="rect">
@@ -3359,7 +3366,7 @@
               </a:rPr>
               <a:t>Engineering</a:t>
             </a:r>
-            <a:endParaRPr sz="1050">
+            <a:endParaRPr sz="1050" dirty="0">
               <a:latin typeface="Calibri"/>
               <a:cs typeface="Calibri"/>
             </a:endParaRPr>
@@ -3374,6 +3381,26 @@
               </a:spcBef>
             </a:pPr>
             <a:r>
+              <a:rPr sz="900" spc="-5" dirty="0" err="1">
+                <a:solidFill>
+                  <a:srgbClr val="404040"/>
+                </a:solidFill>
+                <a:latin typeface="Calibri"/>
+                <a:cs typeface="Calibri"/>
+              </a:rPr>
+              <a:t>UdeA</a:t>
+            </a:r>
+            <a:r>
+              <a:rPr sz="900" spc="-10" dirty="0">
+                <a:solidFill>
+                  <a:srgbClr val="404040"/>
+                </a:solidFill>
+                <a:latin typeface="Calibri"/>
+                <a:cs typeface="Calibri"/>
+              </a:rPr>
+              <a:t> </a:t>
+            </a:r>
+            <a:r>
               <a:rPr sz="900" spc="-5" dirty="0">
                 <a:solidFill>
                   <a:srgbClr val="404040"/>
@@ -3381,17 +3408,57 @@
                 <a:latin typeface="Calibri"/>
                 <a:cs typeface="Calibri"/>
               </a:rPr>
-              <a:t>UdeA</a:t>
-            </a:r>
-            <a:r>
-              <a:rPr sz="900" spc="-10" dirty="0">
+              <a:t>(</a:t>
+            </a:r>
+            <a:r>
+              <a:rPr lang="en-US" sz="900" spc="-5" dirty="0">
                 <a:solidFill>
                   <a:srgbClr val="404040"/>
                 </a:solidFill>
                 <a:latin typeface="Calibri"/>
                 <a:cs typeface="Calibri"/>
               </a:rPr>
-              <a:t> </a:t>
+              <a:t>Universidad</a:t>
+            </a:r>
+            <a:r>
+              <a:rPr sz="900" spc="25" dirty="0">
+                <a:solidFill>
+                  <a:srgbClr val="404040"/>
+                </a:solidFill>
+                <a:latin typeface="Calibri"/>
+                <a:cs typeface="Calibri"/>
+              </a:rPr>
+              <a:t> </a:t>
+            </a:r>
+            <a:r>
+              <a:rPr lang="en-US" sz="900" spc="-5" dirty="0">
+                <a:solidFill>
+                  <a:srgbClr val="404040"/>
+                </a:solidFill>
+                <a:latin typeface="Calibri"/>
+                <a:cs typeface="Calibri"/>
+              </a:rPr>
+              <a:t>de</a:t>
+            </a:r>
+            <a:r>
+              <a:rPr lang="en-US" sz="900" spc="-20" dirty="0">
+                <a:solidFill>
+                  <a:srgbClr val="404040"/>
+                </a:solidFill>
+                <a:latin typeface="Calibri"/>
+                <a:cs typeface="Calibri"/>
+              </a:rPr>
+              <a:t> </a:t>
+            </a:r>
+            <a:r>
+              <a:rPr lang="en-US" sz="900" spc="-5" dirty="0">
+                <a:solidFill>
+                  <a:srgbClr val="404040"/>
+                </a:solidFill>
+                <a:latin typeface="Calibri"/>
+                <a:cs typeface="Calibri"/>
+              </a:rPr>
+              <a:t>Antioquia</a:t>
             </a:r>
             <a:r>
               <a:rPr sz="900" spc="-5" dirty="0">
@@ -3401,49 +3468,9 @@
                 <a:latin typeface="Calibri"/>
                 <a:cs typeface="Calibri"/>
               </a:rPr>
-              <a:t>(Universidad</a:t>
-            </a:r>
-            <a:r>
-              <a:rPr sz="900" spc="25" dirty="0">
-                <a:solidFill>
-                  <a:srgbClr val="404040"/>
-                </a:solidFill>
-                <a:latin typeface="Calibri"/>
-                <a:cs typeface="Calibri"/>
-              </a:rPr>
-              <a:t> </a:t>
-            </a:r>
-            <a:r>
-              <a:rPr sz="900" spc="-5" dirty="0">
-                <a:solidFill>
-                  <a:srgbClr val="404040"/>
-                </a:solidFill>
-                <a:latin typeface="Calibri"/>
-                <a:cs typeface="Calibri"/>
-              </a:rPr>
-              <a:t>de</a:t>
-            </a:r>
-            <a:r>
-              <a:rPr sz="900" spc="-20" dirty="0">
-                <a:solidFill>
-                  <a:srgbClr val="404040"/>
-                </a:solidFill>
-                <a:latin typeface="Calibri"/>
-                <a:cs typeface="Calibri"/>
-              </a:rPr>
-              <a:t> </a:t>
-            </a:r>
-            <a:r>
-              <a:rPr sz="900" spc="-5" dirty="0">
-                <a:solidFill>
-                  <a:srgbClr val="404040"/>
-                </a:solidFill>
-                <a:latin typeface="Calibri"/>
-                <a:cs typeface="Calibri"/>
-              </a:rPr>
-              <a:t>Antioquia)</a:t>
-            </a:r>
-            <a:endParaRPr sz="900">
+              <a:t>)</a:t>
+            </a:r>
+            <a:endParaRPr sz="900" dirty="0">
               <a:latin typeface="Calibri"/>
               <a:cs typeface="Calibri"/>
             </a:endParaRPr>
@@ -3496,7 +3523,7 @@
               </a:rPr>
               <a:t>pause)</a:t>
             </a:r>
-            <a:endParaRPr sz="1000">
+            <a:endParaRPr sz="1000" dirty="0">
               <a:latin typeface="Calibri"/>
               <a:cs typeface="Calibri"/>
             </a:endParaRPr>
@@ -3511,7 +3538,7 @@
         </p:nvSpPr>
         <p:spPr>
           <a:xfrm>
-            <a:off x="78739" y="11201196"/>
+            <a:off x="45908" y="11201724"/>
             <a:ext cx="1877695" cy="476250"/>
           </a:xfrm>
           <a:prstGeom prst="rect">
@@ -3562,7 +3589,7 @@
               </a:rPr>
               <a:t>Technique</a:t>
             </a:r>
-            <a:endParaRPr sz="1050">
+            <a:endParaRPr sz="1050" dirty="0">
               <a:latin typeface="Calibri"/>
               <a:cs typeface="Calibri"/>
             </a:endParaRPr>
@@ -3666,7 +3693,7 @@
               </a:rPr>
               <a:t>Aprendizaje)</a:t>
             </a:r>
-            <a:endParaRPr sz="900">
+            <a:endParaRPr sz="900" dirty="0">
               <a:latin typeface="Calibri"/>
               <a:cs typeface="Calibri"/>
             </a:endParaRPr>
@@ -3684,7 +3711,7 @@
               </a:rPr>
               <a:t>2011</a:t>
             </a:r>
-            <a:endParaRPr sz="1000">
+            <a:endParaRPr sz="1000" dirty="0">
               <a:latin typeface="Calibri"/>
               <a:cs typeface="Calibri"/>
             </a:endParaRPr>
@@ -3836,7 +3863,7 @@
         <p:spPr>
           <a:xfrm>
             <a:off x="2385505" y="5545941"/>
-            <a:ext cx="1780539" cy="1358705"/>
+            <a:ext cx="1780539" cy="1294778"/>
           </a:xfrm>
           <a:prstGeom prst="rect">
             <a:avLst/>
@@ -4185,7 +4212,7 @@
               </a:tabLst>
             </a:pPr>
             <a:r>
-              <a:rPr sz="900" spc="-5" dirty="0">
+              <a:rPr sz="800" spc="-5" dirty="0">
                 <a:solidFill>
                   <a:srgbClr val="767070"/>
                 </a:solidFill>
@@ -4195,17 +4222,17 @@
               <a:t>Instructure:</a:t>
             </a:r>
             <a:r>
-              <a:rPr sz="900" spc="-15" dirty="0">
-                <a:solidFill>
-                  <a:srgbClr val="767070"/>
-                </a:solidFill>
-                <a:latin typeface="Calibri"/>
-                <a:cs typeface="Calibri"/>
-              </a:rPr>
-              <a:t> </a:t>
-            </a:r>
-            <a:r>
-              <a:rPr sz="900" dirty="0">
+              <a:rPr sz="800" spc="-15" dirty="0">
+                <a:solidFill>
+                  <a:srgbClr val="767070"/>
+                </a:solidFill>
+                <a:latin typeface="Calibri"/>
+                <a:cs typeface="Calibri"/>
+              </a:rPr>
+              <a:t> </a:t>
+            </a:r>
+            <a:r>
+              <a:rPr sz="800" dirty="0">
                 <a:solidFill>
                   <a:srgbClr val="767070"/>
                 </a:solidFill>
@@ -4215,17 +4242,17 @@
               <a:t>as</a:t>
             </a:r>
             <a:r>
-              <a:rPr sz="900" spc="-30" dirty="0">
-                <a:solidFill>
-                  <a:srgbClr val="767070"/>
-                </a:solidFill>
-                <a:latin typeface="Calibri"/>
-                <a:cs typeface="Calibri"/>
-              </a:rPr>
-              <a:t> </a:t>
-            </a:r>
-            <a:r>
-              <a:rPr sz="900" dirty="0">
+              <a:rPr sz="800" spc="-30" dirty="0">
+                <a:solidFill>
+                  <a:srgbClr val="767070"/>
+                </a:solidFill>
+                <a:latin typeface="Calibri"/>
+                <a:cs typeface="Calibri"/>
+              </a:rPr>
+              <a:t> </a:t>
+            </a:r>
+            <a:r>
+              <a:rPr sz="800" dirty="0">
                 <a:solidFill>
                   <a:srgbClr val="767070"/>
                 </a:solidFill>
@@ -4235,17 +4262,17 @@
               <a:t>a</a:t>
             </a:r>
             <a:r>
-              <a:rPr sz="900" spc="-35" dirty="0">
-                <a:solidFill>
-                  <a:srgbClr val="767070"/>
-                </a:solidFill>
-                <a:latin typeface="Calibri"/>
-                <a:cs typeface="Calibri"/>
-              </a:rPr>
-              <a:t> </a:t>
-            </a:r>
-            <a:r>
-              <a:rPr sz="900" spc="-5" dirty="0">
+              <a:rPr sz="800" spc="-35" dirty="0">
+                <a:solidFill>
+                  <a:srgbClr val="767070"/>
+                </a:solidFill>
+                <a:latin typeface="Calibri"/>
+                <a:cs typeface="Calibri"/>
+              </a:rPr>
+              <a:t> </a:t>
+            </a:r>
+            <a:r>
+              <a:rPr sz="800" spc="-5" dirty="0">
                 <a:solidFill>
                   <a:srgbClr val="767070"/>
                 </a:solidFill>
@@ -4255,17 +4282,17 @@
               <a:t>backend </a:t>
             </a:r>
             <a:r>
-              <a:rPr sz="900" spc="-185" dirty="0">
-                <a:solidFill>
-                  <a:srgbClr val="767070"/>
-                </a:solidFill>
-                <a:latin typeface="Calibri"/>
-                <a:cs typeface="Calibri"/>
-              </a:rPr>
-              <a:t> </a:t>
-            </a:r>
-            <a:r>
-              <a:rPr sz="900" spc="-5" dirty="0">
+              <a:rPr sz="800" spc="-185" dirty="0">
+                <a:solidFill>
+                  <a:srgbClr val="767070"/>
+                </a:solidFill>
+                <a:latin typeface="Calibri"/>
+                <a:cs typeface="Calibri"/>
+              </a:rPr>
+              <a:t> </a:t>
+            </a:r>
+            <a:r>
+              <a:rPr sz="800" spc="-5" dirty="0">
                 <a:solidFill>
                   <a:srgbClr val="767070"/>
                 </a:solidFill>
@@ -4275,47 +4302,123 @@
               <a:t>developer</a:t>
             </a:r>
             <a:r>
-              <a:rPr sz="900" spc="190" dirty="0">
-                <a:solidFill>
-                  <a:srgbClr val="767070"/>
-                </a:solidFill>
-                <a:latin typeface="Calibri"/>
-                <a:cs typeface="Calibri"/>
-              </a:rPr>
-              <a:t> </a:t>
-            </a:r>
-            <a:r>
-              <a:rPr sz="900" spc="-5" dirty="0">
-                <a:solidFill>
-                  <a:srgbClr val="767070"/>
-                </a:solidFill>
-                <a:latin typeface="Calibri"/>
-                <a:cs typeface="Calibri"/>
-              </a:rPr>
-              <a:t>in nodejs </a:t>
-            </a:r>
-            <a:r>
-              <a:rPr sz="900" dirty="0">
-                <a:solidFill>
-                  <a:srgbClr val="767070"/>
-                </a:solidFill>
-                <a:latin typeface="Calibri"/>
-                <a:cs typeface="Calibri"/>
-              </a:rPr>
-              <a:t> </a:t>
-            </a:r>
-            <a:r>
-              <a:rPr sz="900" spc="-5" dirty="0">
-                <a:solidFill>
-                  <a:srgbClr val="767070"/>
-                </a:solidFill>
-                <a:latin typeface="Calibri"/>
-                <a:cs typeface="Calibri"/>
-              </a:rPr>
-              <a:t>waitr app: As </a:t>
-            </a:r>
-            <a:r>
-              <a:rPr sz="900" dirty="0">
+              <a:rPr sz="800" spc="190" dirty="0">
+                <a:solidFill>
+                  <a:srgbClr val="767070"/>
+                </a:solidFill>
+                <a:latin typeface="Calibri"/>
+                <a:cs typeface="Calibri"/>
+              </a:rPr>
+              <a:t> </a:t>
+            </a:r>
+            <a:r>
+              <a:rPr sz="800" spc="-5" dirty="0">
+                <a:solidFill>
+                  <a:srgbClr val="767070"/>
+                </a:solidFill>
+                <a:latin typeface="Calibri"/>
+                <a:cs typeface="Calibri"/>
+              </a:rPr>
+              <a:t>in </a:t>
+            </a:r>
+            <a:r>
+              <a:rPr sz="800" spc="-5" dirty="0" err="1">
+                <a:solidFill>
+                  <a:srgbClr val="767070"/>
+                </a:solidFill>
+                <a:latin typeface="Calibri"/>
+                <a:cs typeface="Calibri"/>
+              </a:rPr>
+              <a:t>nodejs</a:t>
+            </a:r>
+            <a:r>
+              <a:rPr sz="800" spc="-5" dirty="0">
+                <a:solidFill>
+                  <a:srgbClr val="767070"/>
+                </a:solidFill>
+                <a:latin typeface="Calibri"/>
+                <a:cs typeface="Calibri"/>
+              </a:rPr>
+              <a:t> </a:t>
+            </a:r>
+            <a:r>
+              <a:rPr lang="en-US" sz="800" spc="-5" dirty="0">
+                <a:solidFill>
+                  <a:srgbClr val="767070"/>
+                </a:solidFill>
+                <a:latin typeface="Calibri"/>
+                <a:cs typeface="Calibri"/>
+              </a:rPr>
+              <a:t>.</a:t>
+            </a:r>
+            <a:endParaRPr lang="en-US" sz="800" dirty="0">
+              <a:solidFill>
+                <a:srgbClr val="767070"/>
+              </a:solidFill>
+              <a:latin typeface="Calibri"/>
+              <a:cs typeface="Calibri"/>
+            </a:endParaRPr>
+          </a:p>
+          <a:p>
+            <a:pPr marL="183515" marR="5080" indent="-171450">
+              <a:lnSpc>
+                <a:spcPct val="105000"/>
+              </a:lnSpc>
+              <a:spcBef>
+                <a:spcPts val="45"/>
+              </a:spcBef>
+              <a:buClr>
+                <a:srgbClr val="000000"/>
+              </a:buClr>
+              <a:buFont typeface="Arial" panose="020B0604020202020204" pitchFamily="34" charset="0"/>
+              <a:buChar char="•"/>
+              <a:tabLst>
+                <a:tab pos="349250" algn="l"/>
+                <a:tab pos="349885" algn="l"/>
+              </a:tabLst>
+            </a:pPr>
+            <a:r>
+              <a:rPr sz="800" spc="-5" dirty="0" err="1">
+                <a:solidFill>
+                  <a:srgbClr val="767070"/>
+                </a:solidFill>
+                <a:latin typeface="Calibri"/>
+                <a:cs typeface="Calibri"/>
+              </a:rPr>
+              <a:t>waitr</a:t>
+            </a:r>
+            <a:r>
+              <a:rPr sz="800" spc="-5" dirty="0">
+                <a:solidFill>
+                  <a:srgbClr val="767070"/>
+                </a:solidFill>
+                <a:latin typeface="Calibri"/>
+                <a:cs typeface="Calibri"/>
+              </a:rPr>
+              <a:t> app: </a:t>
+            </a:r>
+            <a:r>
+              <a:rPr lang="en-US" sz="800" spc="-5" dirty="0">
+                <a:solidFill>
+                  <a:srgbClr val="767070"/>
+                </a:solidFill>
+                <a:latin typeface="Calibri"/>
+                <a:cs typeface="Calibri"/>
+              </a:rPr>
+              <a:t>a</a:t>
+            </a:r>
+            <a:r>
+              <a:rPr sz="800" spc="-5" dirty="0">
+                <a:solidFill>
+                  <a:srgbClr val="767070"/>
+                </a:solidFill>
+                <a:latin typeface="Calibri"/>
+                <a:cs typeface="Calibri"/>
+              </a:rPr>
+              <a:t>s </a:t>
+            </a:r>
+            <a:r>
+              <a:rPr sz="800" dirty="0">
                 <a:solidFill>
                   <a:srgbClr val="767070"/>
                 </a:solidFill>
@@ -4325,7 +4428,7 @@
               <a:t>a </a:t>
             </a:r>
             <a:r>
-              <a:rPr sz="900" spc="-5" dirty="0">
+              <a:rPr sz="800" spc="-5" dirty="0">
                 <a:solidFill>
                   <a:srgbClr val="767070"/>
                 </a:solidFill>
@@ -4335,17 +4438,17 @@
               <a:t>backend </a:t>
             </a:r>
             <a:r>
-              <a:rPr sz="900" dirty="0">
-                <a:solidFill>
-                  <a:srgbClr val="767070"/>
-                </a:solidFill>
-                <a:latin typeface="Calibri"/>
-                <a:cs typeface="Calibri"/>
-              </a:rPr>
-              <a:t> </a:t>
-            </a:r>
-            <a:r>
-              <a:rPr sz="900" spc="-5" dirty="0">
+              <a:rPr sz="800" dirty="0">
+                <a:solidFill>
+                  <a:srgbClr val="767070"/>
+                </a:solidFill>
+                <a:latin typeface="Calibri"/>
+                <a:cs typeface="Calibri"/>
+              </a:rPr>
+              <a:t> </a:t>
+            </a:r>
+            <a:r>
+              <a:rPr sz="800" spc="-5" dirty="0">
                 <a:solidFill>
                   <a:srgbClr val="767070"/>
                 </a:solidFill>
@@ -4355,17 +4458,17 @@
               <a:t>developer</a:t>
             </a:r>
             <a:r>
-              <a:rPr sz="900" spc="15" dirty="0">
-                <a:solidFill>
-                  <a:srgbClr val="767070"/>
-                </a:solidFill>
-                <a:latin typeface="Calibri"/>
-                <a:cs typeface="Calibri"/>
-              </a:rPr>
-              <a:t> </a:t>
-            </a:r>
-            <a:r>
-              <a:rPr sz="900" spc="-5" dirty="0">
+              <a:rPr sz="800" spc="15" dirty="0">
+                <a:solidFill>
+                  <a:srgbClr val="767070"/>
+                </a:solidFill>
+                <a:latin typeface="Calibri"/>
+                <a:cs typeface="Calibri"/>
+              </a:rPr>
+              <a:t> </a:t>
+            </a:r>
+            <a:r>
+              <a:rPr sz="800" spc="-5" dirty="0">
                 <a:solidFill>
                   <a:srgbClr val="767070"/>
                 </a:solidFill>
@@ -4375,17 +4478,17 @@
               <a:t>in</a:t>
             </a:r>
             <a:r>
-              <a:rPr sz="900" spc="-10" dirty="0">
-                <a:solidFill>
-                  <a:srgbClr val="767070"/>
-                </a:solidFill>
-                <a:latin typeface="Calibri"/>
-                <a:cs typeface="Calibri"/>
-              </a:rPr>
-              <a:t> </a:t>
-            </a:r>
-            <a:r>
-              <a:rPr sz="900" spc="-5" dirty="0">
+              <a:rPr sz="800" spc="-10" dirty="0">
+                <a:solidFill>
+                  <a:srgbClr val="767070"/>
+                </a:solidFill>
+                <a:latin typeface="Calibri"/>
+                <a:cs typeface="Calibri"/>
+              </a:rPr>
+              <a:t> </a:t>
+            </a:r>
+            <a:r>
+              <a:rPr sz="800" spc="-5" dirty="0">
                 <a:solidFill>
                   <a:srgbClr val="767070"/>
                 </a:solidFill>
@@ -4395,17 +4498,17 @@
               <a:t>nodejs and </a:t>
             </a:r>
             <a:r>
-              <a:rPr sz="900" dirty="0">
-                <a:solidFill>
-                  <a:srgbClr val="767070"/>
-                </a:solidFill>
-                <a:latin typeface="Calibri"/>
-                <a:cs typeface="Calibri"/>
-              </a:rPr>
-              <a:t> </a:t>
-            </a:r>
-            <a:r>
-              <a:rPr sz="900" spc="-5" dirty="0">
+              <a:rPr sz="800" dirty="0">
+                <a:solidFill>
+                  <a:srgbClr val="767070"/>
+                </a:solidFill>
+                <a:latin typeface="Calibri"/>
+                <a:cs typeface="Calibri"/>
+              </a:rPr>
+              <a:t> </a:t>
+            </a:r>
+            <a:r>
+              <a:rPr sz="800" spc="-5" dirty="0">
                 <a:solidFill>
                   <a:srgbClr val="767070"/>
                 </a:solidFill>
@@ -4414,7 +4517,7 @@
               </a:rPr>
               <a:t>devops.</a:t>
             </a:r>
-            <a:endParaRPr sz="900" dirty="0">
+            <a:endParaRPr sz="800" dirty="0">
               <a:latin typeface="Calibri"/>
               <a:cs typeface="Calibri"/>
             </a:endParaRPr>
@@ -4686,7 +4789,7 @@
         <p:spPr>
           <a:xfrm>
             <a:off x="2338764" y="7610873"/>
-            <a:ext cx="1661160" cy="1133644"/>
+            <a:ext cx="1661160" cy="887422"/>
           </a:xfrm>
           <a:prstGeom prst="rect">
             <a:avLst/>
@@ -4716,7 +4819,7 @@
               </a:tabLst>
             </a:pPr>
             <a:r>
-              <a:rPr sz="900" spc="-5" dirty="0">
+              <a:rPr sz="800" spc="-5" dirty="0">
                 <a:solidFill>
                   <a:srgbClr val="767070"/>
                 </a:solidFill>
@@ -4726,17 +4829,17 @@
               <a:t>Development</a:t>
             </a:r>
             <a:r>
-              <a:rPr sz="900" spc="15" dirty="0">
-                <a:solidFill>
-                  <a:srgbClr val="767070"/>
-                </a:solidFill>
-                <a:latin typeface="Calibri"/>
-                <a:cs typeface="Calibri"/>
-              </a:rPr>
-              <a:t> </a:t>
-            </a:r>
-            <a:r>
-              <a:rPr sz="900" spc="-5" dirty="0">
+              <a:rPr sz="800" spc="15" dirty="0">
+                <a:solidFill>
+                  <a:srgbClr val="767070"/>
+                </a:solidFill>
+                <a:latin typeface="Calibri"/>
+                <a:cs typeface="Calibri"/>
+              </a:rPr>
+              <a:t> </a:t>
+            </a:r>
+            <a:r>
+              <a:rPr sz="800" spc="-5" dirty="0">
                 <a:solidFill>
                   <a:srgbClr val="767070"/>
                 </a:solidFill>
@@ -4746,17 +4849,17 @@
               <a:t>frontend</a:t>
             </a:r>
             <a:r>
-              <a:rPr sz="900" spc="5" dirty="0">
-                <a:solidFill>
-                  <a:srgbClr val="767070"/>
-                </a:solidFill>
-                <a:latin typeface="Calibri"/>
-                <a:cs typeface="Calibri"/>
-              </a:rPr>
-              <a:t> </a:t>
-            </a:r>
-            <a:r>
-              <a:rPr sz="900" spc="-5" dirty="0">
+              <a:rPr sz="800" spc="5" dirty="0">
+                <a:solidFill>
+                  <a:srgbClr val="767070"/>
+                </a:solidFill>
+                <a:latin typeface="Calibri"/>
+                <a:cs typeface="Calibri"/>
+              </a:rPr>
+              <a:t> </a:t>
+            </a:r>
+            <a:r>
+              <a:rPr sz="800" spc="-5" dirty="0">
                 <a:solidFill>
                   <a:srgbClr val="767070"/>
                 </a:solidFill>
@@ -4766,17 +4869,17 @@
               <a:t>with </a:t>
             </a:r>
             <a:r>
-              <a:rPr sz="900" dirty="0">
-                <a:solidFill>
-                  <a:srgbClr val="767070"/>
-                </a:solidFill>
-                <a:latin typeface="Calibri"/>
-                <a:cs typeface="Calibri"/>
-              </a:rPr>
-              <a:t> </a:t>
-            </a:r>
-            <a:r>
-              <a:rPr sz="900" spc="-5" dirty="0">
+              <a:rPr sz="800" dirty="0">
+                <a:solidFill>
+                  <a:srgbClr val="767070"/>
+                </a:solidFill>
+                <a:latin typeface="Calibri"/>
+                <a:cs typeface="Calibri"/>
+              </a:rPr>
+              <a:t> </a:t>
+            </a:r>
+            <a:r>
+              <a:rPr sz="800" spc="-5" dirty="0">
                 <a:solidFill>
                   <a:srgbClr val="767070"/>
                 </a:solidFill>
@@ -4786,17 +4889,17 @@
               <a:t>angular</a:t>
             </a:r>
             <a:r>
-              <a:rPr sz="900" spc="5" dirty="0">
-                <a:solidFill>
-                  <a:srgbClr val="767070"/>
-                </a:solidFill>
-                <a:latin typeface="Calibri"/>
-                <a:cs typeface="Calibri"/>
-              </a:rPr>
-              <a:t> </a:t>
-            </a:r>
-            <a:r>
-              <a:rPr sz="900" spc="-5" dirty="0">
+              <a:rPr sz="800" spc="5" dirty="0">
+                <a:solidFill>
+                  <a:srgbClr val="767070"/>
+                </a:solidFill>
+                <a:latin typeface="Calibri"/>
+                <a:cs typeface="Calibri"/>
+              </a:rPr>
+              <a:t> </a:t>
+            </a:r>
+            <a:r>
+              <a:rPr sz="800" spc="-5" dirty="0">
                 <a:solidFill>
                   <a:srgbClr val="767070"/>
                 </a:solidFill>
@@ -4806,17 +4909,17 @@
               <a:t>in</a:t>
             </a:r>
             <a:r>
-              <a:rPr sz="900" dirty="0">
-                <a:solidFill>
-                  <a:srgbClr val="767070"/>
-                </a:solidFill>
-                <a:latin typeface="Calibri"/>
-                <a:cs typeface="Calibri"/>
-              </a:rPr>
-              <a:t> </a:t>
-            </a:r>
-            <a:r>
-              <a:rPr sz="900" spc="-5" dirty="0">
+              <a:rPr sz="800" dirty="0">
+                <a:solidFill>
+                  <a:srgbClr val="767070"/>
+                </a:solidFill>
+                <a:latin typeface="Calibri"/>
+                <a:cs typeface="Calibri"/>
+              </a:rPr>
+              <a:t> </a:t>
+            </a:r>
+            <a:r>
+              <a:rPr sz="800" spc="-5" dirty="0">
                 <a:solidFill>
                   <a:srgbClr val="767070"/>
                 </a:solidFill>
@@ -4826,7 +4929,7 @@
               <a:t>charge </a:t>
             </a:r>
             <a:r>
-              <a:rPr sz="900" dirty="0">
+              <a:rPr sz="800" dirty="0">
                 <a:solidFill>
                   <a:srgbClr val="767070"/>
                 </a:solidFill>
@@ -4836,17 +4939,17 @@
               <a:t>of </a:t>
             </a:r>
             <a:r>
-              <a:rPr sz="900" spc="5" dirty="0">
-                <a:solidFill>
-                  <a:srgbClr val="767070"/>
-                </a:solidFill>
-                <a:latin typeface="Calibri"/>
-                <a:cs typeface="Calibri"/>
-              </a:rPr>
-              <a:t> </a:t>
-            </a:r>
-            <a:r>
-              <a:rPr sz="900" spc="-5" dirty="0">
+              <a:rPr sz="800" spc="5" dirty="0">
+                <a:solidFill>
+                  <a:srgbClr val="767070"/>
+                </a:solidFill>
+                <a:latin typeface="Calibri"/>
+                <a:cs typeface="Calibri"/>
+              </a:rPr>
+              <a:t> </a:t>
+            </a:r>
+            <a:r>
+              <a:rPr sz="800" spc="-5" dirty="0">
                 <a:solidFill>
                   <a:srgbClr val="767070"/>
                 </a:solidFill>
@@ -4856,17 +4959,17 @@
               <a:t>implementing</a:t>
             </a:r>
             <a:r>
-              <a:rPr sz="900" spc="50" dirty="0">
-                <a:solidFill>
-                  <a:srgbClr val="767070"/>
-                </a:solidFill>
-                <a:latin typeface="Calibri"/>
-                <a:cs typeface="Calibri"/>
-              </a:rPr>
-              <a:t> </a:t>
-            </a:r>
-            <a:r>
-              <a:rPr sz="900" spc="-5" dirty="0">
+              <a:rPr sz="800" spc="50" dirty="0">
+                <a:solidFill>
+                  <a:srgbClr val="767070"/>
+                </a:solidFill>
+                <a:latin typeface="Calibri"/>
+                <a:cs typeface="Calibri"/>
+              </a:rPr>
+              <a:t> </a:t>
+            </a:r>
+            <a:r>
+              <a:rPr sz="800" spc="-5" dirty="0">
                 <a:solidFill>
                   <a:srgbClr val="767070"/>
                 </a:solidFill>
@@ -4876,17 +4979,17 @@
               <a:t>the</a:t>
             </a:r>
             <a:r>
-              <a:rPr sz="900" dirty="0">
-                <a:solidFill>
-                  <a:srgbClr val="767070"/>
-                </a:solidFill>
-                <a:latin typeface="Calibri"/>
-                <a:cs typeface="Calibri"/>
-              </a:rPr>
-              <a:t> </a:t>
-            </a:r>
-            <a:r>
-              <a:rPr sz="900" spc="-5" dirty="0">
+              <a:rPr sz="800" dirty="0">
+                <a:solidFill>
+                  <a:srgbClr val="767070"/>
+                </a:solidFill>
+                <a:latin typeface="Calibri"/>
+                <a:cs typeface="Calibri"/>
+              </a:rPr>
+              <a:t> </a:t>
+            </a:r>
+            <a:r>
+              <a:rPr sz="800" spc="-5" dirty="0">
                 <a:solidFill>
                   <a:srgbClr val="767070"/>
                 </a:solidFill>
@@ -4896,17 +4999,17 @@
               <a:t>best </a:t>
             </a:r>
             <a:r>
-              <a:rPr sz="900" dirty="0">
-                <a:solidFill>
-                  <a:srgbClr val="767070"/>
-                </a:solidFill>
-                <a:latin typeface="Calibri"/>
-                <a:cs typeface="Calibri"/>
-              </a:rPr>
-              <a:t> </a:t>
-            </a:r>
-            <a:r>
-              <a:rPr sz="900" spc="-5" dirty="0">
+              <a:rPr sz="800" dirty="0">
+                <a:solidFill>
+                  <a:srgbClr val="767070"/>
+                </a:solidFill>
+                <a:latin typeface="Calibri"/>
+                <a:cs typeface="Calibri"/>
+              </a:rPr>
+              <a:t> </a:t>
+            </a:r>
+            <a:r>
+              <a:rPr sz="800" spc="-5" dirty="0">
                 <a:solidFill>
                   <a:srgbClr val="767070"/>
                 </a:solidFill>
@@ -4916,7 +5019,7 @@
               <a:t>practices </a:t>
             </a:r>
             <a:r>
-              <a:rPr sz="900" dirty="0">
+              <a:rPr sz="800" dirty="0">
                 <a:solidFill>
                   <a:srgbClr val="767070"/>
                 </a:solidFill>
@@ -4926,7 +5029,7 @@
               <a:t>in </a:t>
             </a:r>
             <a:r>
-              <a:rPr sz="900" spc="-5" dirty="0">
+              <a:rPr sz="800" spc="-5" dirty="0">
                 <a:solidFill>
                   <a:srgbClr val="767070"/>
                 </a:solidFill>
@@ -4936,16 +5039,16 @@
               <a:t>the development. </a:t>
             </a:r>
             <a:r>
-              <a:rPr sz="900" spc="-190" dirty="0">
-                <a:solidFill>
-                  <a:srgbClr val="767070"/>
-                </a:solidFill>
-                <a:latin typeface="Calibri"/>
-                <a:cs typeface="Calibri"/>
-              </a:rPr>
-              <a:t> </a:t>
-            </a:r>
-            <a:endParaRPr lang="es-CO" sz="900" spc="-190" dirty="0">
+              <a:rPr sz="800" spc="-190" dirty="0">
+                <a:solidFill>
+                  <a:srgbClr val="767070"/>
+                </a:solidFill>
+                <a:latin typeface="Calibri"/>
+                <a:cs typeface="Calibri"/>
+              </a:rPr>
+              <a:t> </a:t>
+            </a:r>
+            <a:endParaRPr lang="es-CO" sz="800" spc="-190" dirty="0">
               <a:solidFill>
                 <a:srgbClr val="767070"/>
               </a:solidFill>
@@ -4972,7 +5075,7 @@
               </a:tabLst>
             </a:pPr>
             <a:r>
-              <a:rPr sz="900" spc="-5" dirty="0">
+              <a:rPr sz="800" spc="-5" dirty="0">
                 <a:solidFill>
                   <a:srgbClr val="767070"/>
                 </a:solidFill>
@@ -4982,17 +5085,17 @@
               <a:t>Development</a:t>
             </a:r>
             <a:r>
-              <a:rPr sz="900" spc="25" dirty="0">
-                <a:solidFill>
-                  <a:srgbClr val="767070"/>
-                </a:solidFill>
-                <a:latin typeface="Calibri"/>
-                <a:cs typeface="Calibri"/>
-              </a:rPr>
-              <a:t> </a:t>
-            </a:r>
-            <a:r>
-              <a:rPr sz="900" spc="-5" dirty="0">
+              <a:rPr sz="800" spc="25" dirty="0">
+                <a:solidFill>
+                  <a:srgbClr val="767070"/>
+                </a:solidFill>
+                <a:latin typeface="Calibri"/>
+                <a:cs typeface="Calibri"/>
+              </a:rPr>
+              <a:t> </a:t>
+            </a:r>
+            <a:r>
+              <a:rPr sz="800" spc="-5" dirty="0">
                 <a:solidFill>
                   <a:srgbClr val="767070"/>
                 </a:solidFill>
@@ -5002,17 +5105,17 @@
               <a:t>backend </a:t>
             </a:r>
             <a:r>
-              <a:rPr sz="900" dirty="0">
-                <a:solidFill>
-                  <a:srgbClr val="767070"/>
-                </a:solidFill>
-                <a:latin typeface="Calibri"/>
-                <a:cs typeface="Calibri"/>
-              </a:rPr>
-              <a:t> </a:t>
-            </a:r>
-            <a:r>
-              <a:rPr sz="900" spc="-5" dirty="0">
+              <a:rPr sz="800" dirty="0">
+                <a:solidFill>
+                  <a:srgbClr val="767070"/>
+                </a:solidFill>
+                <a:latin typeface="Calibri"/>
+                <a:cs typeface="Calibri"/>
+              </a:rPr>
+              <a:t> </a:t>
+            </a:r>
+            <a:r>
+              <a:rPr sz="800" spc="-5" dirty="0">
                 <a:solidFill>
                   <a:srgbClr val="767070"/>
                 </a:solidFill>
@@ -5022,7 +5125,7 @@
               <a:t>creation </a:t>
             </a:r>
             <a:r>
-              <a:rPr sz="900" dirty="0">
+              <a:rPr sz="800" dirty="0">
                 <a:solidFill>
                   <a:srgbClr val="767070"/>
                 </a:solidFill>
@@ -5032,7 +5135,7 @@
               <a:t>of </a:t>
             </a:r>
             <a:r>
-              <a:rPr sz="900" spc="-5" dirty="0">
+              <a:rPr sz="800" spc="-5" dirty="0">
                 <a:solidFill>
                   <a:srgbClr val="767070"/>
                 </a:solidFill>
@@ -5042,17 +5145,17 @@
               <a:t>endpoint with java </a:t>
             </a:r>
             <a:r>
-              <a:rPr sz="900" spc="-190" dirty="0">
-                <a:solidFill>
-                  <a:srgbClr val="767070"/>
-                </a:solidFill>
-                <a:latin typeface="Calibri"/>
-                <a:cs typeface="Calibri"/>
-              </a:rPr>
-              <a:t> </a:t>
-            </a:r>
-            <a:r>
-              <a:rPr sz="900" spc="-5" dirty="0">
+              <a:rPr sz="800" spc="-190" dirty="0">
+                <a:solidFill>
+                  <a:srgbClr val="767070"/>
+                </a:solidFill>
+                <a:latin typeface="Calibri"/>
+                <a:cs typeface="Calibri"/>
+              </a:rPr>
+              <a:t> </a:t>
+            </a:r>
+            <a:r>
+              <a:rPr sz="800" spc="-5" dirty="0">
                 <a:solidFill>
                   <a:srgbClr val="767070"/>
                 </a:solidFill>
@@ -5062,17 +5165,17 @@
               <a:t>spring</a:t>
             </a:r>
             <a:r>
-              <a:rPr sz="900" spc="25" dirty="0">
-                <a:solidFill>
-                  <a:srgbClr val="767070"/>
-                </a:solidFill>
-                <a:latin typeface="Calibri"/>
-                <a:cs typeface="Calibri"/>
-              </a:rPr>
-              <a:t> </a:t>
-            </a:r>
-            <a:r>
-              <a:rPr sz="900" spc="-5" dirty="0">
+              <a:rPr sz="800" spc="25" dirty="0">
+                <a:solidFill>
+                  <a:srgbClr val="767070"/>
+                </a:solidFill>
+                <a:latin typeface="Calibri"/>
+                <a:cs typeface="Calibri"/>
+              </a:rPr>
+              <a:t> </a:t>
+            </a:r>
+            <a:r>
+              <a:rPr sz="800" spc="-5" dirty="0">
                 <a:solidFill>
                   <a:srgbClr val="767070"/>
                 </a:solidFill>
@@ -5082,17 +5185,17 @@
               <a:t>boot</a:t>
             </a:r>
             <a:r>
-              <a:rPr sz="900" spc="10" dirty="0">
-                <a:solidFill>
-                  <a:srgbClr val="767070"/>
-                </a:solidFill>
-                <a:latin typeface="Calibri"/>
-                <a:cs typeface="Calibri"/>
-              </a:rPr>
-              <a:t> </a:t>
-            </a:r>
-            <a:r>
-              <a:rPr sz="900" spc="-5" dirty="0">
+              <a:rPr sz="800" spc="10" dirty="0">
+                <a:solidFill>
+                  <a:srgbClr val="767070"/>
+                </a:solidFill>
+                <a:latin typeface="Calibri"/>
+                <a:cs typeface="Calibri"/>
+              </a:rPr>
+              <a:t> </a:t>
+            </a:r>
+            <a:r>
+              <a:rPr sz="800" spc="-5" dirty="0">
                 <a:solidFill>
                   <a:srgbClr val="767070"/>
                 </a:solidFill>
@@ -5102,17 +5205,17 @@
               <a:t>and</a:t>
             </a:r>
             <a:r>
-              <a:rPr sz="900" dirty="0">
-                <a:solidFill>
-                  <a:srgbClr val="767070"/>
-                </a:solidFill>
-                <a:latin typeface="Calibri"/>
-                <a:cs typeface="Calibri"/>
-              </a:rPr>
-              <a:t> </a:t>
-            </a:r>
-            <a:r>
-              <a:rPr sz="900" spc="-5" dirty="0">
+              <a:rPr sz="800" dirty="0">
+                <a:solidFill>
+                  <a:srgbClr val="767070"/>
+                </a:solidFill>
+                <a:latin typeface="Calibri"/>
+                <a:cs typeface="Calibri"/>
+              </a:rPr>
+              <a:t> </a:t>
+            </a:r>
+            <a:r>
+              <a:rPr sz="800" spc="-5" dirty="0">
                 <a:solidFill>
                   <a:srgbClr val="767070"/>
                 </a:solidFill>
@@ -5122,17 +5225,17 @@
               <a:t>the</a:t>
             </a:r>
             <a:r>
-              <a:rPr sz="900" spc="15" dirty="0">
-                <a:solidFill>
-                  <a:srgbClr val="767070"/>
-                </a:solidFill>
-                <a:latin typeface="Calibri"/>
-                <a:cs typeface="Calibri"/>
-              </a:rPr>
-              <a:t> </a:t>
-            </a:r>
-            <a:r>
-              <a:rPr sz="900" spc="-5" dirty="0">
+              <a:rPr sz="800" spc="15" dirty="0">
+                <a:solidFill>
+                  <a:srgbClr val="767070"/>
+                </a:solidFill>
+                <a:latin typeface="Calibri"/>
+                <a:cs typeface="Calibri"/>
+              </a:rPr>
+              <a:t> </a:t>
+            </a:r>
+            <a:r>
+              <a:rPr sz="800" spc="-5" dirty="0">
                 <a:solidFill>
                   <a:srgbClr val="767070"/>
                 </a:solidFill>
@@ -5142,17 +5245,17 @@
               <a:t>drools </a:t>
             </a:r>
             <a:r>
-              <a:rPr sz="900" dirty="0">
-                <a:solidFill>
-                  <a:srgbClr val="767070"/>
-                </a:solidFill>
-                <a:latin typeface="Calibri"/>
-                <a:cs typeface="Calibri"/>
-              </a:rPr>
-              <a:t> </a:t>
-            </a:r>
-            <a:r>
-              <a:rPr sz="900" spc="-5" dirty="0">
+              <a:rPr sz="800" dirty="0">
+                <a:solidFill>
+                  <a:srgbClr val="767070"/>
+                </a:solidFill>
+                <a:latin typeface="Calibri"/>
+                <a:cs typeface="Calibri"/>
+              </a:rPr>
+              <a:t> </a:t>
+            </a:r>
+            <a:r>
+              <a:rPr sz="800" spc="-5" dirty="0">
                 <a:solidFill>
                   <a:srgbClr val="767070"/>
                 </a:solidFill>
@@ -5162,17 +5265,17 @@
               <a:t>rule</a:t>
             </a:r>
             <a:r>
-              <a:rPr sz="900" dirty="0">
-                <a:solidFill>
-                  <a:srgbClr val="767070"/>
-                </a:solidFill>
-                <a:latin typeface="Calibri"/>
-                <a:cs typeface="Calibri"/>
-              </a:rPr>
-              <a:t> </a:t>
-            </a:r>
-            <a:r>
-              <a:rPr sz="900" spc="-5" dirty="0">
+              <a:rPr sz="800" dirty="0">
+                <a:solidFill>
+                  <a:srgbClr val="767070"/>
+                </a:solidFill>
+                <a:latin typeface="Calibri"/>
+                <a:cs typeface="Calibri"/>
+              </a:rPr>
+              <a:t> </a:t>
+            </a:r>
+            <a:r>
+              <a:rPr sz="800" spc="-5" dirty="0">
                 <a:solidFill>
                   <a:srgbClr val="767070"/>
                 </a:solidFill>
@@ -5181,7 +5284,7 @@
               </a:rPr>
               <a:t>manager.</a:t>
             </a:r>
-            <a:endParaRPr sz="900" dirty="0">
+            <a:endParaRPr sz="800" dirty="0">
               <a:latin typeface="Calibri"/>
               <a:cs typeface="Calibri"/>
             </a:endParaRPr>
@@ -5577,7 +5680,7 @@
         <p:spPr>
           <a:xfrm>
             <a:off x="2351150" y="9083256"/>
-            <a:ext cx="1552543" cy="572529"/>
+            <a:ext cx="1552543" cy="508216"/>
           </a:xfrm>
           <a:prstGeom prst="rect">
             <a:avLst/>
@@ -5606,7 +5709,7 @@
               </a:tabLst>
             </a:pPr>
             <a:r>
-              <a:rPr sz="900" spc="-5" dirty="0">
+              <a:rPr sz="800" spc="-5" dirty="0">
                 <a:solidFill>
                   <a:srgbClr val="767070"/>
                 </a:solidFill>
@@ -5616,7 +5719,7 @@
               <a:t>Development </a:t>
             </a:r>
             <a:r>
-              <a:rPr sz="900" dirty="0">
+              <a:rPr sz="800" dirty="0">
                 <a:solidFill>
                   <a:srgbClr val="767070"/>
                 </a:solidFill>
@@ -5626,7 +5729,7 @@
               <a:t>of </a:t>
             </a:r>
             <a:r>
-              <a:rPr sz="900" spc="-5" dirty="0">
+              <a:rPr sz="800" spc="-5" dirty="0">
                 <a:solidFill>
                   <a:srgbClr val="767070"/>
                 </a:solidFill>
@@ -5636,7 +5739,7 @@
               <a:t>rappiPay </a:t>
             </a:r>
             <a:r>
-              <a:rPr sz="900" dirty="0">
+              <a:rPr sz="800" dirty="0">
                 <a:solidFill>
                   <a:srgbClr val="767070"/>
                 </a:solidFill>
@@ -5646,17 +5749,17 @@
               <a:t>an </a:t>
             </a:r>
             <a:r>
-              <a:rPr sz="900" spc="-190" dirty="0">
-                <a:solidFill>
-                  <a:srgbClr val="767070"/>
-                </a:solidFill>
-                <a:latin typeface="Calibri"/>
-                <a:cs typeface="Calibri"/>
-              </a:rPr>
-              <a:t> </a:t>
-            </a:r>
-            <a:r>
-              <a:rPr sz="900" spc="-5" dirty="0">
+              <a:rPr sz="800" spc="-190" dirty="0">
+                <a:solidFill>
+                  <a:srgbClr val="767070"/>
+                </a:solidFill>
+                <a:latin typeface="Calibri"/>
+                <a:cs typeface="Calibri"/>
+              </a:rPr>
+              <a:t> </a:t>
+            </a:r>
+            <a:r>
+              <a:rPr sz="800" spc="-5" dirty="0">
                 <a:solidFill>
                   <a:srgbClr val="767070"/>
                 </a:solidFill>
@@ -5666,7 +5769,7 @@
               <a:t>alternative </a:t>
             </a:r>
             <a:r>
-              <a:rPr sz="900" dirty="0">
+              <a:rPr sz="800" dirty="0">
                 <a:solidFill>
                   <a:srgbClr val="767070"/>
                 </a:solidFill>
@@ -5676,7 +5779,7 @@
               <a:t>to </a:t>
             </a:r>
             <a:r>
-              <a:rPr sz="900" spc="-5" dirty="0">
+              <a:rPr sz="800" spc="-5" dirty="0">
                 <a:solidFill>
                   <a:srgbClr val="767070"/>
                 </a:solidFill>
@@ -5686,17 +5789,17 @@
               <a:t>send, receive </a:t>
             </a:r>
             <a:r>
-              <a:rPr sz="900" dirty="0">
-                <a:solidFill>
-                  <a:srgbClr val="767070"/>
-                </a:solidFill>
-                <a:latin typeface="Calibri"/>
-                <a:cs typeface="Calibri"/>
-              </a:rPr>
-              <a:t> </a:t>
-            </a:r>
-            <a:r>
-              <a:rPr sz="900" spc="-5" dirty="0">
+              <a:rPr sz="800" dirty="0">
+                <a:solidFill>
+                  <a:srgbClr val="767070"/>
+                </a:solidFill>
+                <a:latin typeface="Calibri"/>
+                <a:cs typeface="Calibri"/>
+              </a:rPr>
+              <a:t> </a:t>
+            </a:r>
+            <a:r>
+              <a:rPr sz="800" spc="-5" dirty="0">
                 <a:solidFill>
                   <a:srgbClr val="767070"/>
                 </a:solidFill>
@@ -5706,17 +5809,17 @@
               <a:t>money</a:t>
             </a:r>
             <a:r>
-              <a:rPr sz="900" spc="5" dirty="0">
-                <a:solidFill>
-                  <a:srgbClr val="767070"/>
-                </a:solidFill>
-                <a:latin typeface="Calibri"/>
-                <a:cs typeface="Calibri"/>
-              </a:rPr>
-              <a:t> </a:t>
-            </a:r>
-            <a:r>
-              <a:rPr sz="900" dirty="0">
+              <a:rPr sz="800" spc="5" dirty="0">
+                <a:solidFill>
+                  <a:srgbClr val="767070"/>
+                </a:solidFill>
+                <a:latin typeface="Calibri"/>
+                <a:cs typeface="Calibri"/>
+              </a:rPr>
+              <a:t> </a:t>
+            </a:r>
+            <a:r>
+              <a:rPr sz="800" dirty="0">
                 <a:solidFill>
                   <a:srgbClr val="767070"/>
                 </a:solidFill>
@@ -5726,17 +5829,17 @@
               <a:t>or</a:t>
             </a:r>
             <a:r>
-              <a:rPr sz="900" spc="-20" dirty="0">
-                <a:solidFill>
-                  <a:srgbClr val="767070"/>
-                </a:solidFill>
-                <a:latin typeface="Calibri"/>
-                <a:cs typeface="Calibri"/>
-              </a:rPr>
-              <a:t> </a:t>
-            </a:r>
-            <a:r>
-              <a:rPr sz="900" spc="-5" dirty="0">
+              <a:rPr sz="800" spc="-20" dirty="0">
+                <a:solidFill>
+                  <a:srgbClr val="767070"/>
+                </a:solidFill>
+                <a:latin typeface="Calibri"/>
+                <a:cs typeface="Calibri"/>
+              </a:rPr>
+              <a:t> </a:t>
+            </a:r>
+            <a:r>
+              <a:rPr sz="800" spc="-5" dirty="0">
                 <a:solidFill>
                   <a:srgbClr val="767070"/>
                 </a:solidFill>
@@ -5746,17 +5849,17 @@
               <a:t>pay</a:t>
             </a:r>
             <a:r>
-              <a:rPr sz="900" spc="-10" dirty="0">
-                <a:solidFill>
-                  <a:srgbClr val="767070"/>
-                </a:solidFill>
-                <a:latin typeface="Calibri"/>
-                <a:cs typeface="Calibri"/>
-              </a:rPr>
-              <a:t> </a:t>
-            </a:r>
-            <a:r>
-              <a:rPr sz="900" spc="-5" dirty="0">
+              <a:rPr sz="800" spc="-10" dirty="0">
+                <a:solidFill>
+                  <a:srgbClr val="767070"/>
+                </a:solidFill>
+                <a:latin typeface="Calibri"/>
+                <a:cs typeface="Calibri"/>
+              </a:rPr>
+              <a:t> </a:t>
+            </a:r>
+            <a:r>
+              <a:rPr sz="800" spc="-5" dirty="0">
                 <a:solidFill>
                   <a:srgbClr val="767070"/>
                 </a:solidFill>
@@ -5766,14 +5869,14 @@
               <a:t>without</a:t>
             </a:r>
             <a:r>
-              <a:rPr lang="es-CO" sz="900" dirty="0">
-                <a:latin typeface="Calibri"/>
-                <a:cs typeface="Calibri"/>
-              </a:rPr>
-              <a:t> </a:t>
-            </a:r>
-            <a:r>
-              <a:rPr sz="900" spc="-5" dirty="0">
+              <a:rPr lang="es-CO" sz="800" dirty="0">
+                <a:latin typeface="Calibri"/>
+                <a:cs typeface="Calibri"/>
+              </a:rPr>
+              <a:t> </a:t>
+            </a:r>
+            <a:r>
+              <a:rPr sz="800" spc="-5" dirty="0">
                 <a:solidFill>
                   <a:srgbClr val="767070"/>
                 </a:solidFill>
@@ -5783,7 +5886,7 @@
               <a:t>using</a:t>
             </a:r>
             <a:r>
-              <a:rPr sz="900" dirty="0">
+              <a:rPr sz="800" dirty="0">
                 <a:solidFill>
                   <a:srgbClr val="767070"/>
                 </a:solidFill>
@@ -5793,17 +5896,17 @@
               <a:t> a</a:t>
             </a:r>
             <a:r>
-              <a:rPr sz="900" spc="-30" dirty="0">
-                <a:solidFill>
-                  <a:srgbClr val="767070"/>
-                </a:solidFill>
-                <a:latin typeface="Calibri"/>
-                <a:cs typeface="Calibri"/>
-              </a:rPr>
-              <a:t> </a:t>
-            </a:r>
-            <a:r>
-              <a:rPr sz="900" spc="-5" dirty="0">
+              <a:rPr sz="800" spc="-30" dirty="0">
+                <a:solidFill>
+                  <a:srgbClr val="767070"/>
+                </a:solidFill>
+                <a:latin typeface="Calibri"/>
+                <a:cs typeface="Calibri"/>
+              </a:rPr>
+              <a:t> </a:t>
+            </a:r>
+            <a:r>
+              <a:rPr sz="800" spc="-5" dirty="0">
                 <a:solidFill>
                   <a:srgbClr val="767070"/>
                 </a:solidFill>
@@ -5812,7 +5915,7 @@
               </a:rPr>
               <a:t>bank card.</a:t>
             </a:r>
-            <a:endParaRPr sz="900" dirty="0">
+            <a:endParaRPr sz="800" dirty="0">
               <a:latin typeface="Calibri"/>
               <a:cs typeface="Calibri"/>
             </a:endParaRPr>
@@ -6190,7 +6293,7 @@
         <p:spPr>
           <a:xfrm>
             <a:off x="2351150" y="10151664"/>
-            <a:ext cx="1595308" cy="1558888"/>
+            <a:ext cx="1595308" cy="1263744"/>
           </a:xfrm>
           <a:prstGeom prst="rect">
             <a:avLst/>
@@ -6221,7 +6324,7 @@
               </a:tabLst>
             </a:pPr>
             <a:r>
-              <a:rPr sz="900" spc="-5" dirty="0">
+              <a:rPr sz="800" spc="-5" dirty="0">
                 <a:solidFill>
                   <a:srgbClr val="767070"/>
                 </a:solidFill>
@@ -6231,7 +6334,7 @@
               <a:t>Dev</a:t>
             </a:r>
             <a:r>
-              <a:rPr lang="es-CO" sz="900" spc="-5" dirty="0">
+              <a:rPr lang="es-CO" sz="800" spc="-5" dirty="0">
                 <a:solidFill>
                   <a:srgbClr val="767070"/>
                 </a:solidFill>
@@ -6241,7 +6344,7 @@
               <a:t>e</a:t>
             </a:r>
             <a:r>
-              <a:rPr sz="900" spc="-5" dirty="0">
+              <a:rPr sz="800" spc="-5" dirty="0">
                 <a:solidFill>
                   <a:srgbClr val="767070"/>
                 </a:solidFill>
@@ -6251,7 +6354,7 @@
               <a:t>lop </a:t>
             </a:r>
             <a:r>
-              <a:rPr sz="900" dirty="0">
+              <a:rPr sz="800" dirty="0">
                 <a:solidFill>
                   <a:srgbClr val="767070"/>
                 </a:solidFill>
@@ -6261,7 +6364,7 @@
               <a:t>a </a:t>
             </a:r>
             <a:r>
-              <a:rPr sz="900" spc="-5" dirty="0">
+              <a:rPr sz="800" spc="-5" dirty="0">
                 <a:solidFill>
                   <a:srgbClr val="767070"/>
                 </a:solidFill>
@@ -6271,7 +6374,7 @@
               <a:t>platform </a:t>
             </a:r>
             <a:r>
-              <a:rPr sz="900" dirty="0">
+              <a:rPr sz="800" dirty="0">
                 <a:solidFill>
                   <a:srgbClr val="767070"/>
                 </a:solidFill>
@@ -6281,17 +6384,17 @@
               <a:t>for</a:t>
             </a:r>
             <a:r>
-              <a:rPr lang="es-CO" sz="900" dirty="0">
-                <a:solidFill>
-                  <a:srgbClr val="767070"/>
-                </a:solidFill>
-                <a:latin typeface="Calibri"/>
-                <a:cs typeface="Calibri"/>
-              </a:rPr>
-              <a:t> </a:t>
-            </a:r>
-            <a:r>
-              <a:rPr sz="900" spc="-5" dirty="0">
+              <a:rPr lang="es-CO" sz="800" dirty="0">
+                <a:solidFill>
+                  <a:srgbClr val="767070"/>
+                </a:solidFill>
+                <a:latin typeface="Calibri"/>
+                <a:cs typeface="Calibri"/>
+              </a:rPr>
+              <a:t> </a:t>
+            </a:r>
+            <a:r>
+              <a:rPr sz="800" spc="-5" dirty="0">
                 <a:solidFill>
                   <a:srgbClr val="767070"/>
                 </a:solidFill>
@@ -6301,17 +6404,17 @@
               <a:t>the </a:t>
             </a:r>
             <a:r>
-              <a:rPr sz="900" dirty="0">
-                <a:solidFill>
-                  <a:srgbClr val="767070"/>
-                </a:solidFill>
-                <a:latin typeface="Calibri"/>
-                <a:cs typeface="Calibri"/>
-              </a:rPr>
-              <a:t> </a:t>
-            </a:r>
-            <a:r>
-              <a:rPr sz="900" spc="-5" dirty="0">
+              <a:rPr sz="800" dirty="0">
+                <a:solidFill>
+                  <a:srgbClr val="767070"/>
+                </a:solidFill>
+                <a:latin typeface="Calibri"/>
+                <a:cs typeface="Calibri"/>
+              </a:rPr>
+              <a:t> </a:t>
+            </a:r>
+            <a:r>
+              <a:rPr sz="800" spc="-5" dirty="0">
                 <a:solidFill>
                   <a:srgbClr val="767070"/>
                 </a:solidFill>
@@ -6321,7 +6424,7 @@
               <a:t>management </a:t>
             </a:r>
             <a:r>
-              <a:rPr sz="900" dirty="0">
+              <a:rPr sz="800" dirty="0">
                 <a:solidFill>
                   <a:srgbClr val="767070"/>
                 </a:solidFill>
@@ -6331,17 +6434,17 @@
               <a:t>of</a:t>
             </a:r>
             <a:r>
-              <a:rPr sz="900" spc="-35" dirty="0">
-                <a:solidFill>
-                  <a:srgbClr val="767070"/>
-                </a:solidFill>
-                <a:latin typeface="Calibri"/>
-                <a:cs typeface="Calibri"/>
-              </a:rPr>
-              <a:t> </a:t>
-            </a:r>
-            <a:r>
-              <a:rPr sz="900" spc="-5" dirty="0">
+              <a:rPr sz="800" spc="-35" dirty="0">
+                <a:solidFill>
+                  <a:srgbClr val="767070"/>
+                </a:solidFill>
+                <a:latin typeface="Calibri"/>
+                <a:cs typeface="Calibri"/>
+              </a:rPr>
+              <a:t> </a:t>
+            </a:r>
+            <a:r>
+              <a:rPr sz="800" spc="-5" dirty="0">
                 <a:solidFill>
                   <a:srgbClr val="767070"/>
                 </a:solidFill>
@@ -6351,17 +6454,17 @@
               <a:t>proposals, </a:t>
             </a:r>
             <a:r>
-              <a:rPr sz="900" spc="-190" dirty="0">
-                <a:solidFill>
-                  <a:srgbClr val="767070"/>
-                </a:solidFill>
-                <a:latin typeface="Calibri"/>
-                <a:cs typeface="Calibri"/>
-              </a:rPr>
-              <a:t> </a:t>
-            </a:r>
-            <a:r>
-              <a:rPr sz="900" spc="-5" dirty="0">
+              <a:rPr sz="800" spc="-190" dirty="0">
+                <a:solidFill>
+                  <a:srgbClr val="767070"/>
+                </a:solidFill>
+                <a:latin typeface="Calibri"/>
+                <a:cs typeface="Calibri"/>
+              </a:rPr>
+              <a:t> </a:t>
+            </a:r>
+            <a:r>
+              <a:rPr sz="800" spc="-5" dirty="0">
                 <a:solidFill>
                   <a:srgbClr val="767070"/>
                 </a:solidFill>
@@ -6371,17 +6474,17 @@
               <a:t>company commercials, </a:t>
             </a:r>
             <a:r>
-              <a:rPr sz="900" dirty="0">
-                <a:solidFill>
-                  <a:srgbClr val="767070"/>
-                </a:solidFill>
-                <a:latin typeface="Calibri"/>
-                <a:cs typeface="Calibri"/>
-              </a:rPr>
-              <a:t> </a:t>
-            </a:r>
-            <a:r>
-              <a:rPr sz="900" spc="-5" dirty="0">
+              <a:rPr sz="800" dirty="0">
+                <a:solidFill>
+                  <a:srgbClr val="767070"/>
+                </a:solidFill>
+                <a:latin typeface="Calibri"/>
+                <a:cs typeface="Calibri"/>
+              </a:rPr>
+              <a:t> </a:t>
+            </a:r>
+            <a:r>
+              <a:rPr sz="800" spc="-5" dirty="0">
                 <a:solidFill>
                   <a:srgbClr val="767070"/>
                 </a:solidFill>
@@ -6391,17 +6494,17 @@
               <a:t>sales and follow up </a:t>
             </a:r>
             <a:r>
-              <a:rPr sz="900" dirty="0">
-                <a:solidFill>
-                  <a:srgbClr val="767070"/>
-                </a:solidFill>
-                <a:latin typeface="Calibri"/>
-                <a:cs typeface="Calibri"/>
-              </a:rPr>
-              <a:t> </a:t>
-            </a:r>
-            <a:r>
-              <a:rPr sz="900" spc="-5" dirty="0">
+              <a:rPr sz="800" dirty="0">
+                <a:solidFill>
+                  <a:srgbClr val="767070"/>
+                </a:solidFill>
+                <a:latin typeface="Calibri"/>
+                <a:cs typeface="Calibri"/>
+              </a:rPr>
+              <a:t> </a:t>
+            </a:r>
+            <a:r>
+              <a:rPr sz="800" spc="-5" dirty="0">
                 <a:solidFill>
                   <a:srgbClr val="767070"/>
                 </a:solidFill>
@@ -6411,7 +6514,7 @@
               <a:t>projects. This project </a:t>
             </a:r>
             <a:r>
-              <a:rPr sz="900" dirty="0">
+              <a:rPr sz="800" dirty="0">
                 <a:solidFill>
                   <a:srgbClr val="767070"/>
                 </a:solidFill>
@@ -6421,17 +6524,17 @@
               <a:t>was </a:t>
             </a:r>
             <a:r>
-              <a:rPr sz="900" spc="5" dirty="0">
-                <a:solidFill>
-                  <a:srgbClr val="767070"/>
-                </a:solidFill>
-                <a:latin typeface="Calibri"/>
-                <a:cs typeface="Calibri"/>
-              </a:rPr>
-              <a:t> </a:t>
-            </a:r>
-            <a:r>
-              <a:rPr sz="900" spc="-5" dirty="0">
+              <a:rPr sz="800" spc="5" dirty="0">
+                <a:solidFill>
+                  <a:srgbClr val="767070"/>
+                </a:solidFill>
+                <a:latin typeface="Calibri"/>
+                <a:cs typeface="Calibri"/>
+              </a:rPr>
+              <a:t> </a:t>
+            </a:r>
+            <a:r>
+              <a:rPr sz="800" spc="-5" dirty="0">
                 <a:solidFill>
                   <a:srgbClr val="767070"/>
                 </a:solidFill>
@@ -6441,17 +6544,17 @@
               <a:t>developed</a:t>
             </a:r>
             <a:r>
-              <a:rPr sz="900" spc="15" dirty="0">
-                <a:solidFill>
-                  <a:srgbClr val="767070"/>
-                </a:solidFill>
-                <a:latin typeface="Calibri"/>
-                <a:cs typeface="Calibri"/>
-              </a:rPr>
-              <a:t> </a:t>
-            </a:r>
-            <a:r>
-              <a:rPr sz="900" spc="-5" dirty="0">
+              <a:rPr sz="800" spc="15" dirty="0">
+                <a:solidFill>
+                  <a:srgbClr val="767070"/>
+                </a:solidFill>
+                <a:latin typeface="Calibri"/>
+                <a:cs typeface="Calibri"/>
+              </a:rPr>
+              <a:t> </a:t>
+            </a:r>
+            <a:r>
+              <a:rPr sz="800" spc="-5" dirty="0">
                 <a:solidFill>
                   <a:srgbClr val="767070"/>
                 </a:solidFill>
@@ -6461,17 +6564,17 @@
               <a:t>in</a:t>
             </a:r>
             <a:r>
-              <a:rPr sz="900" spc="-15" dirty="0">
-                <a:solidFill>
-                  <a:srgbClr val="767070"/>
-                </a:solidFill>
-                <a:latin typeface="Calibri"/>
-                <a:cs typeface="Calibri"/>
-              </a:rPr>
-              <a:t> </a:t>
-            </a:r>
-            <a:r>
-              <a:rPr sz="900" spc="-5" dirty="0">
+              <a:rPr sz="800" spc="-15" dirty="0">
+                <a:solidFill>
+                  <a:srgbClr val="767070"/>
+                </a:solidFill>
+                <a:latin typeface="Calibri"/>
+                <a:cs typeface="Calibri"/>
+              </a:rPr>
+              <a:t> </a:t>
+            </a:r>
+            <a:r>
+              <a:rPr sz="800" spc="-5" dirty="0">
                 <a:solidFill>
                   <a:srgbClr val="767070"/>
                 </a:solidFill>
@@ -6481,17 +6584,17 @@
               <a:t>Angular,</a:t>
             </a:r>
             <a:r>
-              <a:rPr sz="900" spc="-15" dirty="0">
-                <a:solidFill>
-                  <a:srgbClr val="767070"/>
-                </a:solidFill>
-                <a:latin typeface="Calibri"/>
-                <a:cs typeface="Calibri"/>
-              </a:rPr>
-              <a:t> </a:t>
-            </a:r>
-            <a:r>
-              <a:rPr sz="900" dirty="0">
+              <a:rPr sz="800" spc="-15" dirty="0">
+                <a:solidFill>
+                  <a:srgbClr val="767070"/>
+                </a:solidFill>
+                <a:latin typeface="Calibri"/>
+                <a:cs typeface="Calibri"/>
+              </a:rPr>
+              <a:t> </a:t>
+            </a:r>
+            <a:r>
+              <a:rPr sz="800" dirty="0">
                 <a:solidFill>
                   <a:srgbClr val="767070"/>
                 </a:solidFill>
@@ -6501,17 +6604,17 @@
               <a:t>Java </a:t>
             </a:r>
             <a:r>
-              <a:rPr sz="900" spc="-185" dirty="0">
-                <a:solidFill>
-                  <a:srgbClr val="767070"/>
-                </a:solidFill>
-                <a:latin typeface="Calibri"/>
-                <a:cs typeface="Calibri"/>
-              </a:rPr>
-              <a:t> </a:t>
-            </a:r>
-            <a:r>
-              <a:rPr sz="900" dirty="0">
+              <a:rPr sz="800" spc="-185" dirty="0">
+                <a:solidFill>
+                  <a:srgbClr val="767070"/>
+                </a:solidFill>
+                <a:latin typeface="Calibri"/>
+                <a:cs typeface="Calibri"/>
+              </a:rPr>
+              <a:t> </a:t>
+            </a:r>
+            <a:r>
+              <a:rPr sz="800" dirty="0">
                 <a:solidFill>
                   <a:srgbClr val="767070"/>
                 </a:solidFill>
@@ -6521,17 +6624,17 @@
               <a:t>EE</a:t>
             </a:r>
             <a:r>
-              <a:rPr sz="900" spc="-15" dirty="0">
-                <a:solidFill>
-                  <a:srgbClr val="767070"/>
-                </a:solidFill>
-                <a:latin typeface="Calibri"/>
-                <a:cs typeface="Calibri"/>
-              </a:rPr>
-              <a:t> </a:t>
-            </a:r>
-            <a:r>
-              <a:rPr sz="900" spc="-5" dirty="0">
+              <a:rPr sz="800" spc="-15" dirty="0">
+                <a:solidFill>
+                  <a:srgbClr val="767070"/>
+                </a:solidFill>
+                <a:latin typeface="Calibri"/>
+                <a:cs typeface="Calibri"/>
+              </a:rPr>
+              <a:t> </a:t>
+            </a:r>
+            <a:r>
+              <a:rPr sz="800" spc="-5" dirty="0">
                 <a:solidFill>
                   <a:srgbClr val="767070"/>
                 </a:solidFill>
@@ -6541,17 +6644,17 @@
               <a:t>and</a:t>
             </a:r>
             <a:r>
-              <a:rPr sz="900" spc="-10" dirty="0">
-                <a:solidFill>
-                  <a:srgbClr val="767070"/>
-                </a:solidFill>
-                <a:latin typeface="Calibri"/>
-                <a:cs typeface="Calibri"/>
-              </a:rPr>
-              <a:t> </a:t>
-            </a:r>
-            <a:r>
-              <a:rPr sz="900" spc="-5" dirty="0">
+              <a:rPr sz="800" spc="-10" dirty="0">
+                <a:solidFill>
+                  <a:srgbClr val="767070"/>
+                </a:solidFill>
+                <a:latin typeface="Calibri"/>
+                <a:cs typeface="Calibri"/>
+              </a:rPr>
+              <a:t> </a:t>
+            </a:r>
+            <a:r>
+              <a:rPr sz="800" spc="-5" dirty="0">
                 <a:solidFill>
                   <a:srgbClr val="767070"/>
                 </a:solidFill>
@@ -6560,7 +6663,7 @@
               </a:rPr>
               <a:t>Oracle.</a:t>
             </a:r>
-            <a:endParaRPr lang="es-CO" sz="900" spc="-5" dirty="0">
+            <a:endParaRPr lang="es-CO" sz="800" spc="-5" dirty="0">
               <a:latin typeface="Calibri"/>
               <a:cs typeface="Calibri"/>
             </a:endParaRPr>
@@ -6585,7 +6688,7 @@
               </a:tabLst>
             </a:pPr>
             <a:r>
-              <a:rPr sz="900" dirty="0">
+              <a:rPr sz="800" dirty="0">
                 <a:solidFill>
                   <a:srgbClr val="767070"/>
                 </a:solidFill>
@@ -6595,17 +6698,17 @@
               <a:t>Platform</a:t>
             </a:r>
             <a:r>
-              <a:rPr sz="900" spc="-20" dirty="0">
-                <a:solidFill>
-                  <a:srgbClr val="767070"/>
-                </a:solidFill>
-                <a:latin typeface="Calibri"/>
-                <a:cs typeface="Calibri"/>
-              </a:rPr>
-              <a:t> </a:t>
-            </a:r>
-            <a:r>
-              <a:rPr sz="900" dirty="0">
+              <a:rPr sz="800" spc="-20" dirty="0">
+                <a:solidFill>
+                  <a:srgbClr val="767070"/>
+                </a:solidFill>
+                <a:latin typeface="Calibri"/>
+                <a:cs typeface="Calibri"/>
+              </a:rPr>
+              <a:t> </a:t>
+            </a:r>
+            <a:r>
+              <a:rPr sz="800" dirty="0">
                 <a:solidFill>
                   <a:srgbClr val="767070"/>
                 </a:solidFill>
@@ -6615,17 +6718,17 @@
               <a:t>for</a:t>
             </a:r>
             <a:r>
-              <a:rPr sz="900" spc="-25" dirty="0">
-                <a:solidFill>
-                  <a:srgbClr val="767070"/>
-                </a:solidFill>
-                <a:latin typeface="Calibri"/>
-                <a:cs typeface="Calibri"/>
-              </a:rPr>
-              <a:t> </a:t>
-            </a:r>
-            <a:r>
-              <a:rPr sz="900" spc="-5" dirty="0">
+              <a:rPr sz="800" spc="-25" dirty="0">
+                <a:solidFill>
+                  <a:srgbClr val="767070"/>
+                </a:solidFill>
+                <a:latin typeface="Calibri"/>
+                <a:cs typeface="Calibri"/>
+              </a:rPr>
+              <a:t> </a:t>
+            </a:r>
+            <a:r>
+              <a:rPr sz="800" spc="-5" dirty="0">
                 <a:solidFill>
                   <a:srgbClr val="767070"/>
                 </a:solidFill>
@@ -6635,17 +6738,17 @@
               <a:t>the</a:t>
             </a:r>
             <a:r>
-              <a:rPr sz="900" spc="-15" dirty="0">
-                <a:solidFill>
-                  <a:srgbClr val="767070"/>
-                </a:solidFill>
-                <a:latin typeface="Calibri"/>
-                <a:cs typeface="Calibri"/>
-              </a:rPr>
-              <a:t> </a:t>
-            </a:r>
-            <a:r>
-              <a:rPr sz="900" spc="-5" dirty="0">
+              <a:rPr sz="800" spc="-15" dirty="0">
+                <a:solidFill>
+                  <a:srgbClr val="767070"/>
+                </a:solidFill>
+                <a:latin typeface="Calibri"/>
+                <a:cs typeface="Calibri"/>
+              </a:rPr>
+              <a:t> </a:t>
+            </a:r>
+            <a:r>
+              <a:rPr sz="800" spc="-5" dirty="0">
                 <a:solidFill>
                   <a:srgbClr val="767070"/>
                 </a:solidFill>
@@ -6655,17 +6758,17 @@
               <a:t>quote</a:t>
             </a:r>
             <a:r>
-              <a:rPr sz="900" spc="-10" dirty="0">
-                <a:solidFill>
-                  <a:srgbClr val="767070"/>
-                </a:solidFill>
-                <a:latin typeface="Calibri"/>
-                <a:cs typeface="Calibri"/>
-              </a:rPr>
-              <a:t> </a:t>
-            </a:r>
-            <a:r>
-              <a:rPr sz="900" spc="-5" dirty="0">
+              <a:rPr sz="800" spc="-10" dirty="0">
+                <a:solidFill>
+                  <a:srgbClr val="767070"/>
+                </a:solidFill>
+                <a:latin typeface="Calibri"/>
+                <a:cs typeface="Calibri"/>
+              </a:rPr>
+              <a:t> </a:t>
+            </a:r>
+            <a:r>
+              <a:rPr sz="800" spc="-5" dirty="0">
                 <a:solidFill>
                   <a:srgbClr val="767070"/>
                 </a:solidFill>
@@ -6675,17 +6778,17 @@
               <a:t>and </a:t>
             </a:r>
             <a:r>
-              <a:rPr sz="900" spc="-190" dirty="0">
-                <a:solidFill>
-                  <a:srgbClr val="767070"/>
-                </a:solidFill>
-                <a:latin typeface="Calibri"/>
-                <a:cs typeface="Calibri"/>
-              </a:rPr>
-              <a:t> </a:t>
-            </a:r>
-            <a:r>
-              <a:rPr sz="900" spc="-5" dirty="0">
+              <a:rPr sz="800" spc="-190" dirty="0">
+                <a:solidFill>
+                  <a:srgbClr val="767070"/>
+                </a:solidFill>
+                <a:latin typeface="Calibri"/>
+                <a:cs typeface="Calibri"/>
+              </a:rPr>
+              <a:t> </a:t>
+            </a:r>
+            <a:r>
+              <a:rPr sz="800" spc="-5" dirty="0">
                 <a:solidFill>
                   <a:srgbClr val="767070"/>
                 </a:solidFill>
@@ -6695,7 +6798,7 @@
               <a:t>sale </a:t>
             </a:r>
             <a:r>
-              <a:rPr sz="900" dirty="0">
+              <a:rPr sz="800" dirty="0">
                 <a:solidFill>
                   <a:srgbClr val="767070"/>
                 </a:solidFill>
@@ -6705,7 +6808,7 @@
               <a:t>of car </a:t>
             </a:r>
             <a:r>
-              <a:rPr sz="900" spc="-5" dirty="0">
+              <a:rPr sz="800" spc="-5" dirty="0">
                 <a:solidFill>
                   <a:srgbClr val="767070"/>
                 </a:solidFill>
@@ -6715,17 +6818,17 @@
               <a:t>insurance and </a:t>
             </a:r>
             <a:r>
-              <a:rPr sz="900" dirty="0">
-                <a:solidFill>
-                  <a:srgbClr val="767070"/>
-                </a:solidFill>
-                <a:latin typeface="Calibri"/>
-                <a:cs typeface="Calibri"/>
-              </a:rPr>
-              <a:t> </a:t>
-            </a:r>
-            <a:r>
-              <a:rPr sz="900" spc="-5" dirty="0">
+              <a:rPr sz="800" dirty="0">
+                <a:solidFill>
+                  <a:srgbClr val="767070"/>
+                </a:solidFill>
+                <a:latin typeface="Calibri"/>
+                <a:cs typeface="Calibri"/>
+              </a:rPr>
+              <a:t> </a:t>
+            </a:r>
+            <a:r>
+              <a:rPr sz="800" spc="-5" dirty="0">
                 <a:solidFill>
                   <a:srgbClr val="767070"/>
                 </a:solidFill>
@@ -6735,17 +6838,17 @@
               <a:t>company insurance </a:t>
             </a:r>
             <a:r>
-              <a:rPr sz="900" dirty="0">
-                <a:solidFill>
-                  <a:srgbClr val="767070"/>
-                </a:solidFill>
-                <a:latin typeface="Calibri"/>
-                <a:cs typeface="Calibri"/>
-              </a:rPr>
-              <a:t> </a:t>
-            </a:r>
-            <a:r>
-              <a:rPr sz="900" spc="-5" dirty="0">
+              <a:rPr sz="800" dirty="0">
+                <a:solidFill>
+                  <a:srgbClr val="767070"/>
+                </a:solidFill>
+                <a:latin typeface="Calibri"/>
+                <a:cs typeface="Calibri"/>
+              </a:rPr>
+              <a:t> </a:t>
+            </a:r>
+            <a:r>
+              <a:rPr sz="800" spc="-5" dirty="0">
                 <a:solidFill>
                   <a:srgbClr val="767070"/>
                 </a:solidFill>
@@ -6755,17 +6858,17 @@
               <a:t>developed</a:t>
             </a:r>
             <a:r>
-              <a:rPr sz="900" spc="20" dirty="0">
-                <a:solidFill>
-                  <a:srgbClr val="767070"/>
-                </a:solidFill>
-                <a:latin typeface="Calibri"/>
-                <a:cs typeface="Calibri"/>
-              </a:rPr>
-              <a:t> </a:t>
-            </a:r>
-            <a:r>
-              <a:rPr sz="900" spc="-5" dirty="0">
+              <a:rPr sz="800" spc="20" dirty="0">
+                <a:solidFill>
+                  <a:srgbClr val="767070"/>
+                </a:solidFill>
+                <a:latin typeface="Calibri"/>
+                <a:cs typeface="Calibri"/>
+              </a:rPr>
+              <a:t> </a:t>
+            </a:r>
+            <a:r>
+              <a:rPr sz="800" spc="-5" dirty="0">
                 <a:solidFill>
                   <a:srgbClr val="767070"/>
                 </a:solidFill>
@@ -6775,17 +6878,17 @@
               <a:t>in GuideWire, </a:t>
             </a:r>
             <a:r>
-              <a:rPr sz="900" dirty="0">
-                <a:solidFill>
-                  <a:srgbClr val="767070"/>
-                </a:solidFill>
-                <a:latin typeface="Calibri"/>
-                <a:cs typeface="Calibri"/>
-              </a:rPr>
-              <a:t> </a:t>
-            </a:r>
-            <a:r>
-              <a:rPr sz="900" spc="-5" dirty="0">
+              <a:rPr sz="800" dirty="0">
+                <a:solidFill>
+                  <a:srgbClr val="767070"/>
+                </a:solidFill>
+                <a:latin typeface="Calibri"/>
+                <a:cs typeface="Calibri"/>
+              </a:rPr>
+              <a:t> </a:t>
+            </a:r>
+            <a:r>
+              <a:rPr sz="800" spc="-5" dirty="0">
                 <a:solidFill>
                   <a:srgbClr val="767070"/>
                 </a:solidFill>
@@ -6795,17 +6898,17 @@
               <a:t>Angular</a:t>
             </a:r>
             <a:r>
-              <a:rPr sz="900" spc="15" dirty="0">
-                <a:solidFill>
-                  <a:srgbClr val="767070"/>
-                </a:solidFill>
-                <a:latin typeface="Calibri"/>
-                <a:cs typeface="Calibri"/>
-              </a:rPr>
-              <a:t> </a:t>
-            </a:r>
-            <a:r>
-              <a:rPr sz="900" spc="-5" dirty="0">
+              <a:rPr sz="800" spc="15" dirty="0">
+                <a:solidFill>
+                  <a:srgbClr val="767070"/>
+                </a:solidFill>
+                <a:latin typeface="Calibri"/>
+                <a:cs typeface="Calibri"/>
+              </a:rPr>
+              <a:t> </a:t>
+            </a:r>
+            <a:r>
+              <a:rPr sz="800" spc="-5" dirty="0">
                 <a:solidFill>
                   <a:srgbClr val="767070"/>
                 </a:solidFill>
@@ -6815,17 +6918,17 @@
               <a:t>and</a:t>
             </a:r>
             <a:r>
-              <a:rPr sz="900" spc="-10" dirty="0">
-                <a:solidFill>
-                  <a:srgbClr val="767070"/>
-                </a:solidFill>
-                <a:latin typeface="Calibri"/>
-                <a:cs typeface="Calibri"/>
-              </a:rPr>
-              <a:t> </a:t>
-            </a:r>
-            <a:r>
-              <a:rPr sz="900" spc="-5" dirty="0">
+              <a:rPr sz="800" spc="-10" dirty="0">
+                <a:solidFill>
+                  <a:srgbClr val="767070"/>
+                </a:solidFill>
+                <a:latin typeface="Calibri"/>
+                <a:cs typeface="Calibri"/>
+              </a:rPr>
+              <a:t> </a:t>
+            </a:r>
+            <a:r>
+              <a:rPr sz="800" spc="-5" dirty="0">
                 <a:solidFill>
                   <a:srgbClr val="767070"/>
                 </a:solidFill>
@@ -6834,7 +6937,7 @@
               </a:rPr>
               <a:t>Scala.</a:t>
             </a:r>
-            <a:endParaRPr sz="900" dirty="0">
+            <a:endParaRPr sz="800" dirty="0">
               <a:latin typeface="Calibri"/>
               <a:cs typeface="Calibri"/>
             </a:endParaRPr>
@@ -10267,7 +10370,17 @@
               </a:rPr>
               <a:t>layout</a:t>
             </a:r>
-            <a:endParaRPr sz="900">
+            <a:r>
+              <a:rPr lang="en-US" sz="900" spc="-5" dirty="0">
+                <a:solidFill>
+                  <a:srgbClr val="767070"/>
+                </a:solidFill>
+                <a:latin typeface="Calibri"/>
+                <a:cs typeface="Calibri"/>
+              </a:rPr>
+              <a:t>.</a:t>
+            </a:r>
+            <a:endParaRPr sz="900" dirty="0">
               <a:latin typeface="Calibri"/>
               <a:cs typeface="Calibri"/>
             </a:endParaRPr>
@@ -10376,7 +10489,17 @@
               </a:rPr>
               <a:t>editing</a:t>
             </a:r>
-            <a:endParaRPr sz="900">
+            <a:r>
+              <a:rPr lang="en-US" sz="900" spc="-5" dirty="0">
+                <a:solidFill>
+                  <a:srgbClr val="767070"/>
+                </a:solidFill>
+                <a:latin typeface="Calibri"/>
+                <a:cs typeface="Calibri"/>
+              </a:rPr>
+              <a:t>.</a:t>
+            </a:r>
+            <a:endParaRPr sz="900" dirty="0">
               <a:latin typeface="Calibri"/>
               <a:cs typeface="Calibri"/>
             </a:endParaRPr>
@@ -10457,7 +10580,7 @@
               </a:rPr>
               <a:t>time.</a:t>
             </a:r>
-            <a:endParaRPr sz="900">
+            <a:endParaRPr sz="900" dirty="0">
               <a:latin typeface="Calibri"/>
               <a:cs typeface="Calibri"/>
             </a:endParaRPr>
@@ -10642,7 +10765,7 @@
               </a:tabLst>
             </a:pPr>
             <a:r>
-              <a:rPr sz="900" spc="-5">
+              <a:rPr sz="900" spc="-5" dirty="0">
                 <a:solidFill>
                   <a:srgbClr val="767070"/>
                 </a:solidFill>
@@ -10652,7 +10775,7 @@
               <a:t>Found</a:t>
             </a:r>
             <a:r>
-              <a:rPr lang="en-US" sz="900" spc="-5">
+              <a:rPr lang="en-US" sz="900" spc="-5" dirty="0">
                 <a:solidFill>
                   <a:srgbClr val="767070"/>
                 </a:solidFill>
@@ -10662,14 +10785,24 @@
               <a:t>er</a:t>
             </a:r>
             <a:r>
-              <a:rPr sz="900" spc="-10">
-                <a:solidFill>
-                  <a:srgbClr val="767070"/>
-                </a:solidFill>
-                <a:latin typeface="Calibri"/>
-                <a:cs typeface="Calibri"/>
-              </a:rPr>
-              <a:t> </a:t>
+              <a:rPr sz="900" spc="-10" dirty="0">
+                <a:solidFill>
+                  <a:srgbClr val="767070"/>
+                </a:solidFill>
+                <a:latin typeface="Calibri"/>
+                <a:cs typeface="Calibri"/>
+              </a:rPr>
+              <a:t> </a:t>
+            </a:r>
+            <a:r>
+              <a:rPr lang="en-US" sz="900" spc="-10" dirty="0">
+                <a:solidFill>
+                  <a:srgbClr val="767070"/>
+                </a:solidFill>
+                <a:latin typeface="Calibri"/>
+                <a:cs typeface="Calibri"/>
+              </a:rPr>
+              <a:t>of </a:t>
             </a:r>
             <a:r>
               <a:rPr sz="900" dirty="0">
@@ -10740,6 +10873,16 @@
                 <a:cs typeface="Calibri"/>
               </a:rPr>
               <a:t>up</a:t>
+            </a:r>
+            <a:r>
+              <a:rPr lang="en-US" sz="900" spc="-5" dirty="0">
+                <a:solidFill>
+                  <a:srgbClr val="767070"/>
+                </a:solidFill>
+                <a:latin typeface="Calibri"/>
+                <a:cs typeface="Calibri"/>
+              </a:rPr>
+              <a:t>.</a:t>
             </a:r>
             <a:endParaRPr sz="900" dirty="0">
               <a:latin typeface="Calibri"/>
@@ -10773,6 +10916,16 @@
               </a:rPr>
               <a:t>Marketing</a:t>
             </a:r>
+            <a:r>
+              <a:rPr lang="en-US" sz="900" spc="-5" dirty="0">
+                <a:solidFill>
+                  <a:srgbClr val="767070"/>
+                </a:solidFill>
+                <a:latin typeface="Calibri"/>
+                <a:cs typeface="Calibri"/>
+              </a:rPr>
+              <a:t>.</a:t>
+            </a:r>
             <a:endParaRPr sz="900" dirty="0">
               <a:latin typeface="Calibri"/>
               <a:cs typeface="Calibri"/>
@@ -10822,6 +10975,16 @@
               </a:rPr>
               <a:t>discovery</a:t>
             </a:r>
+            <a:r>
+              <a:rPr lang="en-US" sz="900" spc="-5" dirty="0">
+                <a:solidFill>
+                  <a:srgbClr val="767070"/>
+                </a:solidFill>
+                <a:latin typeface="Calibri"/>
+                <a:cs typeface="Calibri"/>
+              </a:rPr>
+              <a:t>.</a:t>
+            </a:r>
             <a:endParaRPr sz="900" dirty="0">
               <a:latin typeface="Calibri"/>
               <a:cs typeface="Calibri"/>
@@ -10932,7 +11095,7 @@
               <a:t> </a:t>
             </a:r>
             <a:r>
-              <a:rPr sz="900" spc="-5" dirty="0">
+              <a:rPr sz="900" spc="-5">
                 <a:solidFill>
                   <a:srgbClr val="767070"/>
                 </a:solidFill>
@@ -10940,6 +11103,16 @@
                 <a:cs typeface="Calibri"/>
               </a:rPr>
               <a:t>app)</a:t>
+            </a:r>
+            <a:r>
+              <a:rPr lang="en-US" sz="900" spc="-5">
+                <a:solidFill>
+                  <a:srgbClr val="767070"/>
+                </a:solidFill>
+                <a:latin typeface="Calibri"/>
+                <a:cs typeface="Calibri"/>
+              </a:rPr>
+              <a:t>.</a:t>
             </a:r>
             <a:endParaRPr sz="900" dirty="0">
               <a:latin typeface="Calibri"/>
@@ -11006,7 +11179,7 @@
         </p:nvSpPr>
         <p:spPr>
           <a:xfrm>
-            <a:off x="761" y="8556497"/>
+            <a:off x="-19412" y="8324280"/>
             <a:ext cx="2276475" cy="0"/>
           </a:xfrm>
           <a:custGeom>
@@ -11260,14 +11433,14 @@
               <a:buChar char="•"/>
             </a:pPr>
             <a:r>
-              <a:rPr lang="en-US" sz="900" spc="-5" dirty="0">
-                <a:solidFill>
-                  <a:srgbClr val="767070"/>
-                </a:solidFill>
-                <a:latin typeface="Calibri"/>
-                <a:cs typeface="Calibri"/>
-              </a:rPr>
-              <a:t>Backend development mainly with nodejs and other technologies such as java and react</a:t>
+              <a:rPr lang="en-US" sz="800" spc="-5" dirty="0">
+                <a:solidFill>
+                  <a:srgbClr val="767070"/>
+                </a:solidFill>
+                <a:latin typeface="Calibri"/>
+                <a:cs typeface="Calibri"/>
+              </a:rPr>
+              <a:t>Backend development mainly with nodejs and other technologies such as java and react.</a:t>
             </a:r>
           </a:p>
           <a:p>
@@ -11279,7 +11452,7 @@
               <a:buChar char="•"/>
             </a:pPr>
             <a:r>
-              <a:rPr lang="en-US" sz="900" spc="-5" dirty="0">
+              <a:rPr lang="en-US" sz="800" spc="-5" dirty="0">
                 <a:solidFill>
                   <a:srgbClr val="767070"/>
                 </a:solidFill>
@@ -11289,7 +11462,7 @@
               <a:t>working in internals projects at </a:t>
             </a:r>
             <a:r>
-              <a:rPr lang="en-US" sz="900" spc="-5" dirty="0" err="1">
+              <a:rPr lang="en-US" sz="800" spc="-5" dirty="0" err="1">
                 <a:solidFill>
                   <a:srgbClr val="767070"/>
                 </a:solidFill>
@@ -11299,7 +11472,7 @@
               <a:t>knex</a:t>
             </a:r>
             <a:r>
-              <a:rPr lang="en-US" sz="900" spc="-5" dirty="0">
+              <a:rPr lang="en-US" sz="800" spc="-5" dirty="0">
                 <a:solidFill>
                   <a:srgbClr val="767070"/>
                 </a:solidFill>
@@ -11309,7 +11482,7 @@
               <a:t>, </a:t>
             </a:r>
             <a:r>
-              <a:rPr lang="en-US" sz="900" spc="-5" dirty="0" err="1">
+              <a:rPr lang="en-US" sz="800" spc="-5" dirty="0" err="1">
                 <a:solidFill>
                   <a:srgbClr val="767070"/>
                 </a:solidFill>
@@ -11319,7 +11492,7 @@
               <a:t>springboot</a:t>
             </a:r>
             <a:r>
-              <a:rPr lang="en-US" sz="900" spc="-5" dirty="0">
+              <a:rPr lang="en-US" sz="800" spc="-5" dirty="0">
                 <a:solidFill>
                   <a:srgbClr val="767070"/>
                 </a:solidFill>
@@ -11329,7 +11502,7 @@
               <a:t>, react, </a:t>
             </a:r>
             <a:r>
-              <a:rPr lang="en-US" sz="900" spc="-5" dirty="0" err="1">
+              <a:rPr lang="en-US" sz="800" spc="-5" dirty="0" err="1">
                 <a:solidFill>
                   <a:srgbClr val="767070"/>
                 </a:solidFill>
@@ -11339,7 +11512,7 @@
               <a:t>strapi</a:t>
             </a:r>
             <a:r>
-              <a:rPr lang="en-US" sz="900" spc="-5" dirty="0">
+              <a:rPr lang="en-US" sz="800" spc="-5" dirty="0">
                 <a:solidFill>
                   <a:srgbClr val="767070"/>
                 </a:solidFill>
@@ -11358,7 +11531,7 @@
               <a:buChar char="•"/>
             </a:pPr>
             <a:r>
-              <a:rPr lang="en-US" sz="900" spc="-5" dirty="0">
+              <a:rPr lang="en-US" sz="800" spc="-5" dirty="0">
                 <a:solidFill>
                   <a:srgbClr val="767070"/>
                 </a:solidFill>
@@ -11368,7 +11541,7 @@
               <a:t>talent interviewer with nodejs profile</a:t>
             </a:r>
             <a:r>
-              <a:rPr lang="es-CO" sz="900" spc="-5" dirty="0">
+              <a:rPr lang="es-CO" sz="800" spc="-5" dirty="0">
                 <a:solidFill>
                   <a:srgbClr val="767070"/>
                 </a:solidFill>
@@ -11377,10 +11550,260 @@
               </a:rPr>
               <a:t>.</a:t>
             </a:r>
-            <a:endParaRPr lang="en-US" sz="900" spc="-5" dirty="0">
+          </a:p>
+          <a:p>
+            <a:pPr marL="184150" marR="5080" indent="-171450">
+              <a:lnSpc>
+                <a:spcPct val="100000"/>
+              </a:lnSpc>
+              <a:buFont typeface="Arial" panose="020B0604020202020204" pitchFamily="34" charset="0"/>
+              <a:buChar char="•"/>
+            </a:pPr>
+            <a:r>
+              <a:rPr lang="es-CO" sz="800" spc="-5" dirty="0">
+                <a:solidFill>
+                  <a:srgbClr val="767070"/>
+                </a:solidFill>
+                <a:latin typeface="Calibri"/>
+                <a:cs typeface="Calibri"/>
+              </a:rPr>
+              <a:t>Interview new candidates </a:t>
+            </a:r>
+            <a:r>
+              <a:rPr lang="es-CO" sz="800" spc="-5" dirty="0" err="1">
+                <a:solidFill>
+                  <a:srgbClr val="767070"/>
+                </a:solidFill>
+                <a:latin typeface="Calibri"/>
+                <a:cs typeface="Calibri"/>
+              </a:rPr>
+              <a:t>for</a:t>
+            </a:r>
+            <a:r>
+              <a:rPr lang="es-CO" sz="800" spc="-5" dirty="0">
+                <a:solidFill>
+                  <a:srgbClr val="767070"/>
+                </a:solidFill>
+                <a:latin typeface="Calibri"/>
+                <a:cs typeface="Calibri"/>
+              </a:rPr>
+              <a:t> </a:t>
+            </a:r>
+            <a:r>
+              <a:rPr lang="es-CO" sz="800" spc="-5" dirty="0" err="1">
+                <a:solidFill>
+                  <a:srgbClr val="767070"/>
+                </a:solidFill>
+                <a:latin typeface="Calibri"/>
+                <a:cs typeface="Calibri"/>
+              </a:rPr>
+              <a:t>the</a:t>
+            </a:r>
+            <a:r>
+              <a:rPr lang="es-CO" sz="800" spc="-5" dirty="0">
+                <a:solidFill>
+                  <a:srgbClr val="767070"/>
+                </a:solidFill>
+                <a:latin typeface="Calibri"/>
+                <a:cs typeface="Calibri"/>
+              </a:rPr>
+              <a:t> position </a:t>
+            </a:r>
+            <a:r>
+              <a:rPr lang="es-CO" sz="800" spc="-5" dirty="0" err="1">
+                <a:solidFill>
+                  <a:srgbClr val="767070"/>
+                </a:solidFill>
+                <a:latin typeface="Calibri"/>
+                <a:cs typeface="Calibri"/>
+              </a:rPr>
+              <a:t>of</a:t>
+            </a:r>
+            <a:r>
+              <a:rPr lang="es-CO" sz="800" spc="-5" dirty="0">
+                <a:solidFill>
+                  <a:srgbClr val="767070"/>
+                </a:solidFill>
+                <a:latin typeface="Calibri"/>
+                <a:cs typeface="Calibri"/>
+              </a:rPr>
+              <a:t> senior software </a:t>
+            </a:r>
+            <a:r>
+              <a:rPr lang="es-CO" sz="800" spc="-5" dirty="0" err="1">
+                <a:solidFill>
+                  <a:srgbClr val="767070"/>
+                </a:solidFill>
+                <a:latin typeface="Calibri"/>
+                <a:cs typeface="Calibri"/>
+              </a:rPr>
+              <a:t>engineer</a:t>
+            </a:r>
+            <a:r>
+              <a:rPr lang="es-CO" sz="800" spc="-5" dirty="0">
+                <a:solidFill>
+                  <a:srgbClr val="767070"/>
+                </a:solidFill>
+                <a:latin typeface="Calibri"/>
+                <a:cs typeface="Calibri"/>
+              </a:rPr>
+              <a:t> in </a:t>
+            </a:r>
+            <a:r>
+              <a:rPr lang="es-CO" sz="800" spc="-5" dirty="0" err="1">
+                <a:solidFill>
+                  <a:srgbClr val="767070"/>
+                </a:solidFill>
+                <a:latin typeface="Calibri"/>
+                <a:cs typeface="Calibri"/>
+              </a:rPr>
+              <a:t>nodejs</a:t>
+            </a:r>
+            <a:r>
+              <a:rPr lang="es-CO" sz="800" spc="-5" dirty="0">
+                <a:solidFill>
+                  <a:srgbClr val="767070"/>
+                </a:solidFill>
+                <a:latin typeface="Calibri"/>
+                <a:cs typeface="Calibri"/>
+              </a:rPr>
+              <a:t>.</a:t>
+            </a:r>
+            <a:endParaRPr lang="en-US" sz="800" spc="-5" dirty="0">
               <a:solidFill>
                 <a:srgbClr val="767070"/>
               </a:solidFill>
+              <a:latin typeface="Calibri"/>
+              <a:cs typeface="Calibri"/>
+            </a:endParaRPr>
+          </a:p>
+        </p:txBody>
+      </p:sp>
+      <p:sp>
+        <p:nvSpPr>
+          <p:cNvPr id="18" name="TextBox 17">
+            <a:extLst>
+              <a:ext uri="{FF2B5EF4-FFF2-40B4-BE49-F238E27FC236}">
+                <a16:creationId xmlns:a16="http://schemas.microsoft.com/office/drawing/2014/main" id="{2CA20DC7-EE3C-9E53-EA33-37673012E26D}"/>
+              </a:ext>
+            </a:extLst>
+          </p:cNvPr>
+          <p:cNvSpPr txBox="1"/>
+          <p:nvPr/>
+        </p:nvSpPr>
+        <p:spPr>
+          <a:xfrm>
+            <a:off x="-33094" y="9052208"/>
+            <a:ext cx="2299681" cy="720710"/>
+          </a:xfrm>
+          <a:prstGeom prst="rect">
+            <a:avLst/>
+          </a:prstGeom>
+          <a:noFill/>
+        </p:spPr>
+        <p:txBody>
+          <a:bodyPr wrap="square">
+            <a:spAutoFit/>
+          </a:bodyPr>
+          <a:lstStyle/>
+          <a:p>
+            <a:pPr marL="12700" marR="5080">
+              <a:lnSpc>
+                <a:spcPct val="100000"/>
+              </a:lnSpc>
+              <a:spcBef>
+                <a:spcPts val="105"/>
+              </a:spcBef>
+            </a:pPr>
+            <a:r>
+              <a:rPr lang="en-US" sz="1050" b="1" dirty="0">
+                <a:solidFill>
+                  <a:srgbClr val="1F3863"/>
+                </a:solidFill>
+                <a:cs typeface="Calibri"/>
+              </a:rPr>
+              <a:t>Diploma Leadership in an age of disruption</a:t>
+            </a:r>
+            <a:endParaRPr lang="en-US" sz="1050" dirty="0"/>
+          </a:p>
+          <a:p>
+            <a:pPr marL="12700" marR="5080">
+              <a:lnSpc>
+                <a:spcPct val="100000"/>
+              </a:lnSpc>
+              <a:spcBef>
+                <a:spcPts val="105"/>
+              </a:spcBef>
+            </a:pPr>
+            <a:r>
+              <a:rPr lang="en-US" sz="900" spc="-5" dirty="0">
+                <a:solidFill>
+                  <a:srgbClr val="404040"/>
+                </a:solidFill>
+                <a:latin typeface="Calibri"/>
+                <a:cs typeface="Calibri"/>
+              </a:rPr>
+              <a:t>CSUN</a:t>
+            </a:r>
+            <a:r>
+              <a:rPr lang="en-US" sz="900" spc="-10" dirty="0">
+                <a:solidFill>
+                  <a:srgbClr val="404040"/>
+                </a:solidFill>
+                <a:latin typeface="Calibri"/>
+                <a:cs typeface="Calibri"/>
+              </a:rPr>
+              <a:t> </a:t>
+            </a:r>
+            <a:r>
+              <a:rPr lang="en-US" sz="900" spc="-5" dirty="0">
+                <a:solidFill>
+                  <a:srgbClr val="404040"/>
+                </a:solidFill>
+                <a:latin typeface="Calibri"/>
+                <a:cs typeface="Calibri"/>
+              </a:rPr>
+              <a:t>(</a:t>
+            </a:r>
+            <a:r>
+              <a:rPr lang="en-US" sz="900" spc="-15" dirty="0">
+                <a:solidFill>
+                  <a:srgbClr val="404040"/>
+                </a:solidFill>
+                <a:latin typeface="Calibri"/>
+                <a:cs typeface="Calibri"/>
+              </a:rPr>
+              <a:t>California State University Northridge</a:t>
+            </a:r>
+            <a:r>
+              <a:rPr lang="en-US" sz="900" spc="-5" dirty="0">
+                <a:solidFill>
+                  <a:srgbClr val="404040"/>
+                </a:solidFill>
+                <a:latin typeface="Calibri"/>
+                <a:cs typeface="Calibri"/>
+              </a:rPr>
+              <a:t>)</a:t>
+            </a:r>
+            <a:endParaRPr lang="en-US" sz="900" dirty="0">
+              <a:latin typeface="Calibri"/>
+              <a:cs typeface="Calibri"/>
+            </a:endParaRPr>
+          </a:p>
+          <a:p>
+            <a:pPr marL="12700">
+              <a:lnSpc>
+                <a:spcPts val="1200"/>
+              </a:lnSpc>
+            </a:pPr>
+            <a:r>
+              <a:rPr lang="en-US" sz="1050" spc="-10" dirty="0">
+                <a:latin typeface="Calibri"/>
+                <a:cs typeface="Calibri"/>
+              </a:rPr>
+              <a:t>2022</a:t>
+            </a:r>
+            <a:endParaRPr lang="en-US" sz="1050" dirty="0">
               <a:latin typeface="Calibri"/>
               <a:cs typeface="Calibri"/>
             </a:endParaRPr>
